--- a/Vizag Fresher project template 2023 V1.0.pptx
+++ b/Vizag Fresher project template 2023 V1.0.pptx
@@ -5,21 +5,21 @@
     <p:sldMasterId id="2147483648" r:id="rId1"/>
   </p:sldMasterIdLst>
   <p:notesMasterIdLst>
-    <p:notesMasterId r:id="rId13"/>
+    <p:notesMasterId r:id="rId12"/>
   </p:notesMasterIdLst>
   <p:sldIdLst>
-    <p:sldId id="289" r:id="rId3"/>
-    <p:sldId id="290" r:id="rId4"/>
-    <p:sldId id="291" r:id="rId5"/>
-    <p:sldId id="292" r:id="rId6"/>
-    <p:sldId id="297" r:id="rId7"/>
-    <p:sldId id="293" r:id="rId8"/>
-    <p:sldId id="294" r:id="rId9"/>
-    <p:sldId id="295" r:id="rId10"/>
-    <p:sldId id="296" r:id="rId11"/>
-    <p:sldId id="284" r:id="rId12"/>
+    <p:sldId id="289" r:id="rId2"/>
+    <p:sldId id="290" r:id="rId3"/>
+    <p:sldId id="291" r:id="rId4"/>
+    <p:sldId id="292" r:id="rId5"/>
+    <p:sldId id="297" r:id="rId6"/>
+    <p:sldId id="293" r:id="rId7"/>
+    <p:sldId id="294" r:id="rId8"/>
+    <p:sldId id="295" r:id="rId9"/>
+    <p:sldId id="296" r:id="rId10"/>
+    <p:sldId id="284" r:id="rId11"/>
   </p:sldIdLst>
-  <p:sldSz cx="12190095" cy="6859270"/>
+  <p:sldSz cx="12190413" cy="6859588"/>
   <p:notesSz cx="20104100" cy="11309350"/>
   <p:defaultTextStyle>
     <a:defPPr>
@@ -116,6 +116,22 @@
       </a:defRPr>
     </a:lvl9pPr>
   </p:defaultTextStyle>
+  <p:extLst>
+    <p:ext uri="{EFAFB233-063F-42B5-8137-9DF3F51BA10A}">
+      <p15:sldGuideLst xmlns:p15="http://schemas.microsoft.com/office/powerpoint/2012/main">
+        <p15:guide id="1" orient="horz" pos="1747">
+          <p15:clr>
+            <a:srgbClr val="A4A3A4"/>
+          </p15:clr>
+        </p15:guide>
+        <p15:guide id="2" pos="1310">
+          <p15:clr>
+            <a:srgbClr val="A4A3A4"/>
+          </p15:clr>
+        </p15:guide>
+      </p15:sldGuideLst>
+    </p:ext>
+  </p:extLst>
 </p:presentation>
 </file>
 
@@ -208,6 +224,7 @@
           <a:p>
             <a:fld id="{F7A1BDA4-2362-46E4-B759-1C9E98069CBA}" type="datetimeFigureOut">
               <a:rPr lang="en-IN" smtClean="0"/>
+              <a:t>06-07-2023</a:t>
             </a:fld>
             <a:endParaRPr lang="en-IN" dirty="0"/>
           </a:p>
@@ -274,7 +291,6 @@
               <a:rPr lang="en-US"/>
               <a:t>Click to edit Master text styles</a:t>
             </a:r>
-            <a:endParaRPr lang="en-US"/>
           </a:p>
           <a:p>
             <a:pPr lvl="1"/>
@@ -282,7 +298,6 @@
               <a:rPr lang="en-US"/>
               <a:t>Second level</a:t>
             </a:r>
-            <a:endParaRPr lang="en-US"/>
           </a:p>
           <a:p>
             <a:pPr lvl="2"/>
@@ -290,7 +305,6 @@
               <a:rPr lang="en-US"/>
               <a:t>Third level</a:t>
             </a:r>
-            <a:endParaRPr lang="en-US"/>
           </a:p>
           <a:p>
             <a:pPr lvl="3"/>
@@ -298,7 +312,6 @@
               <a:rPr lang="en-US"/>
               <a:t>Fourth level</a:t>
             </a:r>
-            <a:endParaRPr lang="en-US"/>
           </a:p>
           <a:p>
             <a:pPr lvl="4"/>
@@ -370,6 +383,7 @@
           <a:p>
             <a:fld id="{0927FB57-2B27-45D5-B431-F3E7A10E73E6}" type="slidenum">
               <a:rPr lang="en-IN" smtClean="0"/>
+              <a:t>‹#›</a:t>
             </a:fld>
             <a:endParaRPr lang="en-IN" dirty="0"/>
           </a:p>
@@ -518,7 +532,9 @@
               <a:defRPr/>
             </a:lvl1pPr>
           </a:lstStyle>
-          <a:p/>
+          <a:p>
+            <a:endParaRPr/>
+          </a:p>
         </p:txBody>
       </p:sp>
       <p:sp>
@@ -549,7 +565,9 @@
               <a:defRPr/>
             </a:lvl1pPr>
           </a:lstStyle>
-          <a:p/>
+          <a:p>
+            <a:endParaRPr/>
+          </a:p>
         </p:txBody>
       </p:sp>
       <p:sp>
@@ -583,7 +601,7 @@
               </a:lnSpc>
             </a:pPr>
             <a:r>
-              <a:rPr lang="en-IN" spc="3" smtClean="0"/>
+              <a:rPr lang="en-IN" spc="3"/>
               <a:t>Confidential</a:t>
             </a:r>
             <a:endParaRPr lang="en-IN" spc="3" dirty="0"/>
@@ -621,39 +639,39 @@
               </a:lnSpc>
             </a:pPr>
             <a:r>
-              <a:rPr lang="en-IN" spc="6" smtClean="0"/>
+              <a:rPr lang="en-IN" spc="6"/>
               <a:t>Copyright</a:t>
             </a:r>
             <a:r>
-              <a:rPr lang="en-IN" spc="-3" smtClean="0"/>
+              <a:rPr lang="en-IN" spc="-3"/>
               <a:t> </a:t>
             </a:r>
             <a:r>
-              <a:rPr lang="en-IN" spc="18" smtClean="0"/>
+              <a:rPr lang="en-IN" spc="18"/>
               <a:t>©</a:t>
             </a:r>
             <a:r>
-              <a:rPr lang="en-IN" smtClean="0"/>
+              <a:rPr lang="en-IN"/>
               <a:t> </a:t>
             </a:r>
             <a:r>
-              <a:rPr lang="en-IN" spc="9" smtClean="0"/>
+              <a:rPr lang="en-IN" spc="9"/>
               <a:t>2021,</a:t>
             </a:r>
             <a:r>
-              <a:rPr lang="en-IN" smtClean="0"/>
+              <a:rPr lang="en-IN"/>
               <a:t> </a:t>
             </a:r>
             <a:r>
-              <a:rPr lang="en-IN" spc="6" smtClean="0"/>
+              <a:rPr lang="en-IN" spc="6"/>
               <a:t>Pennant</a:t>
             </a:r>
             <a:r>
-              <a:rPr lang="en-IN" spc="-3" smtClean="0"/>
+              <a:rPr lang="en-IN" spc="-3"/>
               <a:t> </a:t>
             </a:r>
             <a:r>
-              <a:rPr lang="en-IN" spc="3" smtClean="0"/>
+              <a:rPr lang="en-IN" spc="3"/>
               <a:t>Technologies</a:t>
             </a:r>
             <a:endParaRPr lang="en-IN" spc="3" dirty="0"/>
@@ -687,6 +705,7 @@
           <a:p>
             <a:fld id="{B6F15528-21DE-4FAA-801E-634DDDAF4B2B}" type="slidenum">
               <a:rPr/>
+              <a:t>‹#›</a:t>
             </a:fld>
             <a:endParaRPr dirty="0"/>
           </a:p>
@@ -746,7 +765,9 @@
               </a:defRPr>
             </a:lvl1pPr>
           </a:lstStyle>
-          <a:p/>
+          <a:p>
+            <a:endParaRPr/>
+          </a:p>
         </p:txBody>
       </p:sp>
       <p:sp>
@@ -771,7 +792,9 @@
               </a:defRPr>
             </a:lvl1pPr>
           </a:lstStyle>
-          <a:p/>
+          <a:p>
+            <a:endParaRPr/>
+          </a:p>
         </p:txBody>
       </p:sp>
       <p:sp>
@@ -805,7 +828,7 @@
               </a:lnSpc>
             </a:pPr>
             <a:r>
-              <a:rPr lang="en-IN" spc="3" smtClean="0"/>
+              <a:rPr lang="en-IN" spc="3"/>
               <a:t>Confidential</a:t>
             </a:r>
             <a:endParaRPr lang="en-IN" spc="3" dirty="0"/>
@@ -843,39 +866,39 @@
               </a:lnSpc>
             </a:pPr>
             <a:r>
-              <a:rPr lang="en-IN" spc="6" smtClean="0"/>
+              <a:rPr lang="en-IN" spc="6"/>
               <a:t>Copyright</a:t>
             </a:r>
             <a:r>
-              <a:rPr lang="en-IN" spc="-3" smtClean="0"/>
+              <a:rPr lang="en-IN" spc="-3"/>
               <a:t> </a:t>
             </a:r>
             <a:r>
-              <a:rPr lang="en-IN" spc="18" smtClean="0"/>
+              <a:rPr lang="en-IN" spc="18"/>
               <a:t>©</a:t>
             </a:r>
             <a:r>
-              <a:rPr lang="en-IN" smtClean="0"/>
+              <a:rPr lang="en-IN"/>
               <a:t> </a:t>
             </a:r>
             <a:r>
-              <a:rPr lang="en-IN" spc="9" smtClean="0"/>
+              <a:rPr lang="en-IN" spc="9"/>
               <a:t>2021,</a:t>
             </a:r>
             <a:r>
-              <a:rPr lang="en-IN" smtClean="0"/>
+              <a:rPr lang="en-IN"/>
               <a:t> </a:t>
             </a:r>
             <a:r>
-              <a:rPr lang="en-IN" spc="6" smtClean="0"/>
+              <a:rPr lang="en-IN" spc="6"/>
               <a:t>Pennant</a:t>
             </a:r>
             <a:r>
-              <a:rPr lang="en-IN" spc="-3" smtClean="0"/>
+              <a:rPr lang="en-IN" spc="-3"/>
               <a:t> </a:t>
             </a:r>
             <a:r>
-              <a:rPr lang="en-IN" spc="3" smtClean="0"/>
+              <a:rPr lang="en-IN" spc="3"/>
               <a:t>Technologies</a:t>
             </a:r>
             <a:endParaRPr lang="en-IN" spc="3" dirty="0"/>
@@ -909,6 +932,7 @@
           <a:p>
             <a:fld id="{B6F15528-21DE-4FAA-801E-634DDDAF4B2B}" type="slidenum">
               <a:rPr/>
+              <a:t>‹#›</a:t>
             </a:fld>
             <a:endParaRPr dirty="0"/>
           </a:p>
@@ -968,7 +992,9 @@
               </a:defRPr>
             </a:lvl1pPr>
           </a:lstStyle>
-          <a:p/>
+          <a:p>
+            <a:endParaRPr/>
+          </a:p>
         </p:txBody>
       </p:sp>
       <p:sp>
@@ -999,7 +1025,9 @@
               <a:defRPr/>
             </a:lvl1pPr>
           </a:lstStyle>
-          <a:p/>
+          <a:p>
+            <a:endParaRPr/>
+          </a:p>
         </p:txBody>
       </p:sp>
       <p:sp>
@@ -1030,7 +1058,9 @@
               <a:defRPr/>
             </a:lvl1pPr>
           </a:lstStyle>
-          <a:p/>
+          <a:p>
+            <a:endParaRPr/>
+          </a:p>
         </p:txBody>
       </p:sp>
       <p:sp>
@@ -1064,7 +1094,7 @@
               </a:lnSpc>
             </a:pPr>
             <a:r>
-              <a:rPr lang="en-IN" spc="3" smtClean="0"/>
+              <a:rPr lang="en-IN" spc="3"/>
               <a:t>Confidential</a:t>
             </a:r>
             <a:endParaRPr lang="en-IN" spc="3" dirty="0"/>
@@ -1102,39 +1132,39 @@
               </a:lnSpc>
             </a:pPr>
             <a:r>
-              <a:rPr lang="en-IN" spc="6" smtClean="0"/>
+              <a:rPr lang="en-IN" spc="6"/>
               <a:t>Copyright</a:t>
             </a:r>
             <a:r>
-              <a:rPr lang="en-IN" spc="-3" smtClean="0"/>
+              <a:rPr lang="en-IN" spc="-3"/>
               <a:t> </a:t>
             </a:r>
             <a:r>
-              <a:rPr lang="en-IN" spc="18" smtClean="0"/>
+              <a:rPr lang="en-IN" spc="18"/>
               <a:t>©</a:t>
             </a:r>
             <a:r>
-              <a:rPr lang="en-IN" smtClean="0"/>
+              <a:rPr lang="en-IN"/>
               <a:t> </a:t>
             </a:r>
             <a:r>
-              <a:rPr lang="en-IN" spc="9" smtClean="0"/>
+              <a:rPr lang="en-IN" spc="9"/>
               <a:t>2021,</a:t>
             </a:r>
             <a:r>
-              <a:rPr lang="en-IN" smtClean="0"/>
+              <a:rPr lang="en-IN"/>
               <a:t> </a:t>
             </a:r>
             <a:r>
-              <a:rPr lang="en-IN" spc="6" smtClean="0"/>
+              <a:rPr lang="en-IN" spc="6"/>
               <a:t>Pennant</a:t>
             </a:r>
             <a:r>
-              <a:rPr lang="en-IN" spc="-3" smtClean="0"/>
+              <a:rPr lang="en-IN" spc="-3"/>
               <a:t> </a:t>
             </a:r>
             <a:r>
-              <a:rPr lang="en-IN" spc="3" smtClean="0"/>
+              <a:rPr lang="en-IN" spc="3"/>
               <a:t>Technologies</a:t>
             </a:r>
             <a:endParaRPr lang="en-IN" spc="3" dirty="0"/>
@@ -1168,6 +1198,7 @@
           <a:p>
             <a:fld id="{B6F15528-21DE-4FAA-801E-634DDDAF4B2B}" type="slidenum">
               <a:rPr/>
+              <a:t>‹#›</a:t>
             </a:fld>
             <a:endParaRPr dirty="0"/>
           </a:p>
@@ -1227,7 +1258,9 @@
               </a:defRPr>
             </a:lvl1pPr>
           </a:lstStyle>
-          <a:p/>
+          <a:p>
+            <a:endParaRPr/>
+          </a:p>
         </p:txBody>
       </p:sp>
       <p:sp>
@@ -1261,7 +1294,7 @@
               </a:lnSpc>
             </a:pPr>
             <a:r>
-              <a:rPr lang="en-IN" spc="3" smtClean="0"/>
+              <a:rPr lang="en-IN" spc="3"/>
               <a:t>Confidential</a:t>
             </a:r>
             <a:endParaRPr lang="en-IN" spc="3" dirty="0"/>
@@ -1299,39 +1332,39 @@
               </a:lnSpc>
             </a:pPr>
             <a:r>
-              <a:rPr lang="en-IN" spc="6" smtClean="0"/>
+              <a:rPr lang="en-IN" spc="6"/>
               <a:t>Copyright</a:t>
             </a:r>
             <a:r>
-              <a:rPr lang="en-IN" spc="-3" smtClean="0"/>
+              <a:rPr lang="en-IN" spc="-3"/>
               <a:t> </a:t>
             </a:r>
             <a:r>
-              <a:rPr lang="en-IN" spc="18" smtClean="0"/>
+              <a:rPr lang="en-IN" spc="18"/>
               <a:t>©</a:t>
             </a:r>
             <a:r>
-              <a:rPr lang="en-IN" smtClean="0"/>
+              <a:rPr lang="en-IN"/>
               <a:t> </a:t>
             </a:r>
             <a:r>
-              <a:rPr lang="en-IN" spc="9" smtClean="0"/>
+              <a:rPr lang="en-IN" spc="9"/>
               <a:t>2021,</a:t>
             </a:r>
             <a:r>
-              <a:rPr lang="en-IN" smtClean="0"/>
+              <a:rPr lang="en-IN"/>
               <a:t> </a:t>
             </a:r>
             <a:r>
-              <a:rPr lang="en-IN" spc="6" smtClean="0"/>
+              <a:rPr lang="en-IN" spc="6"/>
               <a:t>Pennant</a:t>
             </a:r>
             <a:r>
-              <a:rPr lang="en-IN" spc="-3" smtClean="0"/>
+              <a:rPr lang="en-IN" spc="-3"/>
               <a:t> </a:t>
             </a:r>
             <a:r>
-              <a:rPr lang="en-IN" spc="3" smtClean="0"/>
+              <a:rPr lang="en-IN" spc="3"/>
               <a:t>Technologies</a:t>
             </a:r>
             <a:endParaRPr lang="en-IN" spc="3" dirty="0"/>
@@ -1365,6 +1398,7 @@
           <a:p>
             <a:fld id="{B6F15528-21DE-4FAA-801E-634DDDAF4B2B}" type="slidenum">
               <a:rPr/>
+              <a:t>‹#›</a:t>
             </a:fld>
             <a:endParaRPr dirty="0"/>
           </a:p>
@@ -1426,7 +1460,7 @@
               </a:lnSpc>
             </a:pPr>
             <a:r>
-              <a:rPr lang="en-IN" spc="3" smtClean="0"/>
+              <a:rPr lang="en-IN" spc="3"/>
               <a:t>Confidential</a:t>
             </a:r>
             <a:endParaRPr lang="en-IN" spc="3" dirty="0"/>
@@ -1464,39 +1498,39 @@
               </a:lnSpc>
             </a:pPr>
             <a:r>
-              <a:rPr lang="en-IN" spc="6" smtClean="0"/>
+              <a:rPr lang="en-IN" spc="6"/>
               <a:t>Copyright</a:t>
             </a:r>
             <a:r>
-              <a:rPr lang="en-IN" spc="-3" smtClean="0"/>
+              <a:rPr lang="en-IN" spc="-3"/>
               <a:t> </a:t>
             </a:r>
             <a:r>
-              <a:rPr lang="en-IN" spc="18" smtClean="0"/>
+              <a:rPr lang="en-IN" spc="18"/>
               <a:t>©</a:t>
             </a:r>
             <a:r>
-              <a:rPr lang="en-IN" smtClean="0"/>
+              <a:rPr lang="en-IN"/>
               <a:t> </a:t>
             </a:r>
             <a:r>
-              <a:rPr lang="en-IN" spc="9" smtClean="0"/>
+              <a:rPr lang="en-IN" spc="9"/>
               <a:t>2021,</a:t>
             </a:r>
             <a:r>
-              <a:rPr lang="en-IN" smtClean="0"/>
+              <a:rPr lang="en-IN"/>
               <a:t> </a:t>
             </a:r>
             <a:r>
-              <a:rPr lang="en-IN" spc="6" smtClean="0"/>
+              <a:rPr lang="en-IN" spc="6"/>
               <a:t>Pennant</a:t>
             </a:r>
             <a:r>
-              <a:rPr lang="en-IN" spc="-3" smtClean="0"/>
+              <a:rPr lang="en-IN" spc="-3"/>
               <a:t> </a:t>
             </a:r>
             <a:r>
-              <a:rPr lang="en-IN" spc="3" smtClean="0"/>
+              <a:rPr lang="en-IN" spc="3"/>
               <a:t>Technologies</a:t>
             </a:r>
             <a:endParaRPr lang="en-IN" spc="3" dirty="0"/>
@@ -1530,6 +1564,7 @@
           <a:p>
             <a:fld id="{B6F15528-21DE-4FAA-801E-634DDDAF4B2B}" type="slidenum">
               <a:rPr/>
+              <a:t>‹#›</a:t>
             </a:fld>
             <a:endParaRPr dirty="0"/>
           </a:p>
@@ -1575,7 +1610,7 @@
           <p:nvPr userDrawn="1"/>
         </p:nvPicPr>
         <p:blipFill>
-          <a:blip r:embed="rId6" cstate="print"/>
+          <a:blip r:embed="rId7" cstate="print"/>
           <a:stretch>
             <a:fillRect/>
           </a:stretch>
@@ -2045,7 +2080,7 @@
               </a:lnSpc>
             </a:pPr>
             <a:r>
-              <a:rPr lang="en-IN" spc="3" smtClean="0"/>
+              <a:rPr lang="en-IN" spc="3"/>
               <a:t>Confidential</a:t>
             </a:r>
             <a:endParaRPr lang="en-IN" spc="3" dirty="0"/>
@@ -2093,39 +2128,39 @@
               </a:lnSpc>
             </a:pPr>
             <a:r>
-              <a:rPr lang="en-IN" spc="6" smtClean="0"/>
+              <a:rPr lang="en-IN" spc="6"/>
               <a:t>Copyright</a:t>
             </a:r>
             <a:r>
-              <a:rPr lang="en-IN" spc="-3" smtClean="0"/>
+              <a:rPr lang="en-IN" spc="-3"/>
               <a:t> </a:t>
             </a:r>
             <a:r>
-              <a:rPr lang="en-IN" spc="18" smtClean="0"/>
+              <a:rPr lang="en-IN" spc="18"/>
               <a:t>©</a:t>
             </a:r>
             <a:r>
-              <a:rPr lang="en-IN" smtClean="0"/>
+              <a:rPr lang="en-IN"/>
               <a:t> </a:t>
             </a:r>
             <a:r>
-              <a:rPr lang="en-IN" spc="9" smtClean="0"/>
+              <a:rPr lang="en-IN" spc="9"/>
               <a:t>2021,</a:t>
             </a:r>
             <a:r>
-              <a:rPr lang="en-IN" smtClean="0"/>
+              <a:rPr lang="en-IN"/>
               <a:t> </a:t>
             </a:r>
             <a:r>
-              <a:rPr lang="en-IN" spc="6" smtClean="0"/>
+              <a:rPr lang="en-IN" spc="6"/>
               <a:t>Pennant</a:t>
             </a:r>
             <a:r>
-              <a:rPr lang="en-IN" spc="-3" smtClean="0"/>
+              <a:rPr lang="en-IN" spc="-3"/>
               <a:t> </a:t>
             </a:r>
             <a:r>
-              <a:rPr lang="en-IN" spc="3" smtClean="0"/>
+              <a:rPr lang="en-IN" spc="3"/>
               <a:t>Technologies</a:t>
             </a:r>
             <a:endParaRPr lang="en-IN" spc="3" dirty="0"/>
@@ -2169,6 +2204,7 @@
           <a:p>
             <a:fld id="{B6F15528-21DE-4FAA-801E-634DDDAF4B2B}" type="slidenum">
               <a:rPr/>
+              <a:t>‹#›</a:t>
             </a:fld>
             <a:endParaRPr dirty="0"/>
           </a:p>
@@ -2354,7 +2390,7 @@
           <p:nvPr/>
         </p:nvPicPr>
         <p:blipFill>
-          <a:blip r:embed="rId1">
+          <a:blip r:embed="rId2">
             <a:extLst>
               <a:ext uri="{28A0092B-C50C-407E-A947-70E740481C1C}">
                 <a14:useLocalDpi xmlns:a14="http://schemas.microsoft.com/office/drawing/2010/main" val="0"/>
@@ -2459,7 +2495,6 @@
               <a:rPr spc="3" dirty="0"/>
               <a:t>Technologies</a:t>
             </a:r>
-            <a:endParaRPr spc="3" dirty="0"/>
           </a:p>
         </p:txBody>
       </p:sp>
@@ -2497,7 +2532,6 @@
               <a:rPr spc="3" dirty="0"/>
               <a:t>Confidential</a:t>
             </a:r>
-            <a:endParaRPr spc="3" dirty="0"/>
           </a:p>
         </p:txBody>
       </p:sp>
@@ -2554,27 +2588,6 @@
               </a:rPr>
               <a:t>HOSPITAL APPOINTMENT SYSTEM</a:t>
             </a:r>
-            <a:endParaRPr lang="en-IN" altLang="en-GB" sz="3600" b="1" dirty="0">
-              <a:ln w="6600">
-                <a:solidFill>
-                  <a:schemeClr val="accent2"/>
-                </a:solidFill>
-                <a:prstDash val="solid"/>
-              </a:ln>
-              <a:solidFill>
-                <a:schemeClr val="accent6">
-                  <a:lumMod val="75000"/>
-                </a:schemeClr>
-              </a:solidFill>
-              <a:effectLst>
-                <a:outerShdw dist="38100" dir="2700000" algn="tl" rotWithShape="0">
-                  <a:schemeClr val="accent2"/>
-                </a:outerShdw>
-              </a:effectLst>
-              <a:latin typeface="+mj-lt"/>
-              <a:ea typeface="Open Sans" pitchFamily="34" charset="0"/>
-              <a:cs typeface="Calibri Light" panose="020F0302020204030204" pitchFamily="34" charset="0"/>
-            </a:endParaRPr>
           </a:p>
         </p:txBody>
       </p:sp>
@@ -2583,13 +2596,6 @@
   <p:clrMapOvr>
     <a:masterClrMapping/>
   </p:clrMapOvr>
-  <p:timing>
-    <p:tnLst>
-      <p:par>
-        <p:cTn id="1" dur="indefinite" restart="never" nodeType="tmRoot"/>
-      </p:par>
-    </p:tnLst>
-  </p:timing>
 </p:sld>
 </file>
 
@@ -2656,7 +2662,6 @@
               <a:rPr spc="9" dirty="0"/>
               <a:t>ou</a:t>
             </a:r>
-            <a:endParaRPr spc="9" dirty="0"/>
           </a:p>
         </p:txBody>
       </p:sp>
@@ -3450,7 +3455,7 @@
               <a:t> </a:t>
             </a:r>
             <a:r>
-              <a:rPr lang="en-IN" sz="1200" b="1" spc="-12" dirty="0" smtClean="0">
+              <a:rPr lang="en-IN" sz="1200" b="1" spc="-12" dirty="0">
                 <a:solidFill>
                   <a:srgbClr val="F57F20"/>
                 </a:solidFill>
@@ -3460,7 +3465,7 @@
               <a:t>&amp; Corporate </a:t>
             </a:r>
             <a:r>
-              <a:rPr sz="1200" b="1" spc="-9" dirty="0" smtClean="0">
+              <a:rPr sz="1200" b="1" spc="-9" dirty="0">
                 <a:solidFill>
                   <a:srgbClr val="F57F20"/>
                 </a:solidFill>
@@ -3469,7 +3474,7 @@
               </a:rPr>
               <a:t>office</a:t>
             </a:r>
-            <a:endParaRPr lang="en-IN" sz="1200" b="1" spc="-9" dirty="0" smtClean="0">
+            <a:endParaRPr lang="en-IN" sz="1200" b="1" spc="-9" dirty="0">
               <a:solidFill>
                 <a:srgbClr val="F57F20"/>
               </a:solidFill>
@@ -3543,35 +3548,21 @@
                 <a:latin typeface="+mj-lt"/>
                 <a:cs typeface="PT Sans"/>
               </a:rPr>
-              <a:t>Hitec City,  Madhapur, Hyderabad, Telangana,  (India</a:t>
-            </a:r>
-            <a:r>
-              <a:rPr sz="1200" spc="6" dirty="0" smtClean="0">
-                <a:latin typeface="+mj-lt"/>
-                <a:cs typeface="PT Sans"/>
-              </a:rPr>
-              <a:t>)</a:t>
-            </a:r>
-            <a:r>
-              <a:rPr lang="en-IN" sz="1200" spc="6" dirty="0" smtClean="0">
+              <a:t>Hitec City,  Madhapur, Hyderabad, Telangana,  (India)</a:t>
+            </a:r>
+            <a:r>
+              <a:rPr lang="en-IN" sz="1200" spc="6" dirty="0">
                 <a:latin typeface="+mj-lt"/>
                 <a:cs typeface="PT Sans"/>
               </a:rPr>
               <a:t> - </a:t>
             </a:r>
             <a:r>
-              <a:rPr sz="1200" spc="6" dirty="0" smtClean="0">
-                <a:latin typeface="+mj-lt"/>
-                <a:cs typeface="PT Sans"/>
-              </a:rPr>
-              <a:t> </a:t>
-            </a:r>
-            <a:r>
               <a:rPr sz="1200" spc="6" dirty="0">
                 <a:latin typeface="+mj-lt"/>
                 <a:cs typeface="PT Sans"/>
               </a:rPr>
-              <a:t>500081</a:t>
+              <a:t> 500081</a:t>
             </a:r>
             <a:endParaRPr lang="en-IN" sz="1200" spc="6" dirty="0">
               <a:latin typeface="+mj-lt"/>
@@ -3665,10 +3656,10 @@
               <a:t>Email:	</a:t>
             </a:r>
             <a:r>
-              <a:rPr lang="en-IN" sz="1200" spc="3" dirty="0" smtClean="0">
-                <a:latin typeface="+mj-lt"/>
-                <a:cs typeface="PT Sans"/>
-                <a:hlinkClick r:id="rId1"/>
+              <a:rPr lang="en-IN" sz="1200" spc="3" dirty="0">
+                <a:latin typeface="+mj-lt"/>
+                <a:cs typeface="PT Sans"/>
+                <a:hlinkClick r:id="rId2"/>
               </a:rPr>
               <a:t>info@pennanttech.com</a:t>
             </a:r>
@@ -4011,7 +4002,7 @@
               <a:rPr sz="1200" spc="3" dirty="0">
                 <a:latin typeface="+mj-lt"/>
                 <a:cs typeface="PT Sans"/>
-                <a:hlinkClick r:id="rId1"/>
+                <a:hlinkClick r:id="rId2"/>
               </a:rPr>
               <a:t>info@pennanttech.com</a:t>
             </a:r>
@@ -4049,7 +4040,7 @@
               </a:spcBef>
             </a:pPr>
             <a:r>
-              <a:rPr sz="1200" spc="9" dirty="0" smtClean="0">
+              <a:rPr sz="1200" spc="9" dirty="0">
                 <a:latin typeface="+mj-lt"/>
                 <a:cs typeface="PT Sans"/>
               </a:rPr>
@@ -4517,7 +4508,7 @@
               <a:t> </a:t>
             </a:r>
             <a:r>
-              <a:rPr sz="1200" b="1" spc="3" dirty="0" smtClean="0">
+              <a:rPr sz="1200" b="1" spc="3" dirty="0">
                 <a:solidFill>
                   <a:srgbClr val="F57F20"/>
                 </a:solidFill>
@@ -4538,13 +4529,6 @@
   <p:clrMapOvr>
     <a:masterClrMapping/>
   </p:clrMapOvr>
-  <p:timing>
-    <p:tnLst>
-      <p:par>
-        <p:cTn id="1" dur="indefinite" restart="never" nodeType="tmRoot"/>
-      </p:par>
-    </p:tnLst>
-  </p:timing>
 </p:sld>
 </file>
 
@@ -4588,14 +4572,11 @@
           <a:lstStyle/>
           <a:p>
             <a:r>
-              <a:rPr lang="en-IN" sz="1800" dirty="0" smtClean="0">
+              <a:rPr lang="en-IN" sz="1800" dirty="0">
                 <a:latin typeface="+mj-lt"/>
               </a:rPr>
               <a:t>Project Overview</a:t>
             </a:r>
-            <a:endParaRPr lang="en-IN" sz="1800" dirty="0" smtClean="0">
-              <a:latin typeface="+mj-lt"/>
-            </a:endParaRPr>
           </a:p>
         </p:txBody>
       </p:sp>
@@ -4642,7 +4623,7 @@
           <a:p>
             <a:pPr algn="ctr"/>
             <a:r>
-              <a:rPr lang="en-US" sz="2000" dirty="0" smtClean="0">
+              <a:rPr lang="en-US" sz="2000" dirty="0">
                 <a:solidFill>
                   <a:schemeClr val="bg1"/>
                 </a:solidFill>
@@ -4651,13 +4632,6 @@
               </a:rPr>
               <a:t>1</a:t>
             </a:r>
-            <a:endParaRPr lang="en-US" sz="2000" dirty="0">
-              <a:solidFill>
-                <a:schemeClr val="bg1"/>
-              </a:solidFill>
-              <a:latin typeface="+mj-lt"/>
-              <a:cs typeface="Calibri Light" panose="020F0302020204030204" pitchFamily="34" charset="0"/>
-            </a:endParaRPr>
           </a:p>
         </p:txBody>
       </p:sp>
@@ -4704,7 +4678,7 @@
           <a:p>
             <a:pPr algn="ctr"/>
             <a:r>
-              <a:rPr lang="en-US" sz="2000" dirty="0" smtClean="0">
+              <a:rPr lang="en-US" sz="2000" dirty="0">
                 <a:solidFill>
                   <a:schemeClr val="bg1"/>
                 </a:solidFill>
@@ -4713,13 +4687,6 @@
               </a:rPr>
               <a:t>2</a:t>
             </a:r>
-            <a:endParaRPr lang="en-US" sz="2000" dirty="0">
-              <a:solidFill>
-                <a:schemeClr val="bg1"/>
-              </a:solidFill>
-              <a:latin typeface="+mj-lt"/>
-              <a:cs typeface="Calibri Light" panose="020F0302020204030204" pitchFamily="34" charset="0"/>
-            </a:endParaRPr>
           </a:p>
         </p:txBody>
       </p:sp>
@@ -4766,7 +4733,7 @@
           <a:p>
             <a:pPr algn="ctr"/>
             <a:r>
-              <a:rPr lang="en-US" sz="2000" dirty="0" smtClean="0">
+              <a:rPr lang="en-US" sz="2000" dirty="0">
                 <a:solidFill>
                   <a:schemeClr val="bg1"/>
                 </a:solidFill>
@@ -4775,13 +4742,6 @@
               </a:rPr>
               <a:t>3</a:t>
             </a:r>
-            <a:endParaRPr lang="en-US" sz="2000" dirty="0">
-              <a:solidFill>
-                <a:schemeClr val="bg1"/>
-              </a:solidFill>
-              <a:latin typeface="+mj-lt"/>
-              <a:cs typeface="Calibri Light" panose="020F0302020204030204" pitchFamily="34" charset="0"/>
-            </a:endParaRPr>
           </a:p>
         </p:txBody>
       </p:sp>
@@ -4807,14 +4767,11 @@
           <a:lstStyle/>
           <a:p>
             <a:r>
-              <a:rPr lang="en-IN" sz="1800" dirty="0" smtClean="0">
+              <a:rPr lang="en-IN" sz="1800" dirty="0">
                 <a:latin typeface="+mj-lt"/>
               </a:rPr>
               <a:t>Project Planning, Execution &amp; Demonstration</a:t>
             </a:r>
-            <a:endParaRPr lang="en-IN" sz="1800" dirty="0">
-              <a:latin typeface="+mj-lt"/>
-            </a:endParaRPr>
           </a:p>
         </p:txBody>
       </p:sp>
@@ -4840,14 +4797,11 @@
           <a:lstStyle/>
           <a:p>
             <a:r>
-              <a:rPr lang="en-IN" sz="1800" dirty="0" smtClean="0">
+              <a:rPr lang="en-IN" sz="1800" dirty="0">
                 <a:latin typeface="+mj-lt"/>
               </a:rPr>
               <a:t>Project Closure</a:t>
             </a:r>
-            <a:endParaRPr lang="en-IN" sz="1800" dirty="0">
-              <a:latin typeface="+mj-lt"/>
-            </a:endParaRPr>
           </a:p>
         </p:txBody>
       </p:sp>
@@ -5013,18 +4967,13 @@
           <a:p>
             <a:pPr defTabSz="914400"/>
             <a:r>
-              <a:rPr lang="en-IN" sz="1800" b="1" kern="0" dirty="0" smtClean="0">
+              <a:rPr lang="en-IN" sz="1800" b="1" kern="0" dirty="0">
                 <a:solidFill>
                   <a:sysClr val="windowText" lastClr="000000"/>
                 </a:solidFill>
               </a:rPr>
               <a:t>Project Highlights	</a:t>
             </a:r>
-            <a:endParaRPr lang="en-IN" sz="1800" b="1" kern="0" dirty="0">
-              <a:solidFill>
-                <a:sysClr val="windowText" lastClr="000000"/>
-              </a:solidFill>
-            </a:endParaRPr>
           </a:p>
         </p:txBody>
       </p:sp>
@@ -5080,18 +5029,13 @@
               </a:spcAft>
             </a:pPr>
             <a:r>
-              <a:rPr lang="en-IN" sz="1600" b="1" dirty="0" smtClean="0">
+              <a:rPr lang="en-IN" sz="1600" b="1" dirty="0">
                 <a:solidFill>
                   <a:schemeClr val="tx1"/>
                 </a:solidFill>
               </a:rPr>
               <a:t>Project Overview:</a:t>
             </a:r>
-            <a:endParaRPr lang="en-IN" sz="1600" b="1" dirty="0" smtClean="0">
-              <a:solidFill>
-                <a:schemeClr val="tx1"/>
-              </a:solidFill>
-            </a:endParaRPr>
           </a:p>
           <a:p>
             <a:pPr algn="just" defTabSz="666750">
@@ -5126,7 +5070,7 @@
                 <a:spcPts val="300"/>
               </a:spcAft>
             </a:pPr>
-            <a:endParaRPr lang="en-IN" sz="1600" b="1" dirty="0" smtClean="0">
+            <a:endParaRPr lang="en-IN" sz="1600" b="1" dirty="0">
               <a:solidFill>
                 <a:schemeClr val="tx1"/>
               </a:solidFill>
@@ -5148,7 +5092,7 @@
               </a:spcAft>
             </a:pPr>
             <a:r>
-              <a:rPr lang="en-IN" sz="1600" dirty="0">
+              <a:rPr lang="en-IN" sz="1800" dirty="0">
                 <a:solidFill>
                   <a:schemeClr val="tx1"/>
                 </a:solidFill>
@@ -5158,14 +5102,6 @@
               </a:rPr>
               <a:t>The Hospital Appointment System is a comprehensive web-based application that enables users to efficiently manage and book medical appointments. It caters to the needs of admin users, patients, and diagnostic center users. The system offers features such as user authentication, appointment scheduling, doctor and specialization management, revenue tracking, patient profiles, diagnostic test management, and payment processing. Admin users have access to a dashboard providing summary counts . Patients can view, book, and reschedule appointments, access their medical records, and manage family members' profiles. Diagnostic center users can manage tests, generate bills, and upload test reports. </a:t>
             </a:r>
-            <a:endParaRPr lang="en-IN" sz="1600" dirty="0">
-              <a:solidFill>
-                <a:schemeClr val="tx1"/>
-              </a:solidFill>
-              <a:latin typeface="Times New Roman" panose="02020603050405020304" charset="0"/>
-              <a:ea typeface="Times New Roman" panose="02020603050405020304"/>
-              <a:cs typeface="Times New Roman" panose="02020603050405020304" charset="0"/>
-            </a:endParaRPr>
           </a:p>
           <a:p>
             <a:pPr algn="just" defTabSz="666750">
@@ -5179,7 +5115,7 @@
                 <a:spcPts val="300"/>
               </a:spcAft>
             </a:pPr>
-            <a:endParaRPr lang="en-IN" sz="1600" b="1" dirty="0" smtClean="0">
+            <a:endParaRPr lang="en-IN" sz="1600" b="1" dirty="0">
               <a:solidFill>
                 <a:schemeClr val="tx1"/>
               </a:solidFill>
@@ -5221,7 +5157,7 @@
                 <a:spcPts val="300"/>
               </a:spcAft>
             </a:pPr>
-            <a:endParaRPr lang="en-IN" sz="1600" b="1" dirty="0" smtClean="0">
+            <a:endParaRPr lang="en-IN" sz="1600" b="1" dirty="0">
               <a:solidFill>
                 <a:schemeClr val="tx1"/>
               </a:solidFill>
@@ -5242,7 +5178,7 @@
                 <a:spcPts val="300"/>
               </a:spcAft>
             </a:pPr>
-            <a:endParaRPr lang="en-IN" sz="1600" b="1" dirty="0" smtClean="0">
+            <a:endParaRPr lang="en-IN" sz="1600" b="1" dirty="0">
               <a:solidFill>
                 <a:schemeClr val="tx1"/>
               </a:solidFill>
@@ -5305,18 +5241,13 @@
               </a:spcAft>
             </a:pPr>
             <a:r>
-              <a:rPr lang="en-IN" sz="1600" b="1" dirty="0" smtClean="0">
+              <a:rPr lang="en-IN" sz="1600" b="1" dirty="0">
                 <a:solidFill>
                   <a:schemeClr val="tx1"/>
                 </a:solidFill>
               </a:rPr>
               <a:t>Project Team </a:t>
             </a:r>
-            <a:endParaRPr lang="en-IN" sz="1600" b="1" dirty="0" smtClean="0">
-              <a:solidFill>
-                <a:schemeClr val="tx1"/>
-              </a:solidFill>
-            </a:endParaRPr>
           </a:p>
           <a:p>
             <a:pPr algn="just" defTabSz="666750">
@@ -5331,7 +5262,7 @@
               </a:spcAft>
             </a:pPr>
             <a:r>
-              <a:rPr lang="en-IN" sz="1600" b="1" dirty="0" smtClean="0">
+              <a:rPr lang="en-IN" sz="1600" b="1" dirty="0">
                 <a:solidFill>
                   <a:schemeClr val="tx1"/>
                 </a:solidFill>
@@ -5339,16 +5270,60 @@
                 <a:ea typeface="Times New Roman" panose="02020603050405020304"/>
                 <a:cs typeface="Open Sans"/>
               </a:rPr>
-              <a:t>Team leader:</a:t>
-            </a:r>
-            <a:endParaRPr lang="en-IN" sz="1600" b="1" dirty="0" smtClean="0">
-              <a:solidFill>
-                <a:schemeClr val="tx1"/>
-              </a:solidFill>
-              <a:latin typeface="+mj-lt"/>
-              <a:ea typeface="Times New Roman" panose="02020603050405020304"/>
-              <a:cs typeface="Open Sans"/>
-            </a:endParaRPr>
+              <a:t>Team leader: </a:t>
+            </a:r>
+          </a:p>
+          <a:p>
+            <a:pPr marL="285750" indent="-285750" algn="just" defTabSz="666750">
+              <a:lnSpc>
+                <a:spcPct val="114000"/>
+              </a:lnSpc>
+              <a:spcBef>
+                <a:spcPct val="0"/>
+              </a:spcBef>
+              <a:spcAft>
+                <a:spcPts val="300"/>
+              </a:spcAft>
+              <a:buFont typeface="Arial" panose="020B0604020202020204" pitchFamily="34" charset="0"/>
+              <a:buChar char="•"/>
+            </a:pPr>
+            <a:r>
+              <a:rPr lang="en-IN" sz="1600" b="1" dirty="0">
+                <a:solidFill>
+                  <a:schemeClr val="tx1"/>
+                </a:solidFill>
+                <a:latin typeface="+mj-lt"/>
+                <a:ea typeface="Times New Roman" panose="02020603050405020304"/>
+                <a:cs typeface="Open Sans"/>
+              </a:rPr>
+              <a:t>P. V. V. Mahesh Kumar</a:t>
+            </a:r>
+          </a:p>
+          <a:p>
+            <a:pPr marL="285750" indent="-285750" algn="just" defTabSz="666750">
+              <a:lnSpc>
+                <a:spcPct val="114000"/>
+              </a:lnSpc>
+              <a:spcBef>
+                <a:spcPct val="0"/>
+              </a:spcBef>
+              <a:spcAft>
+                <a:spcPts val="300"/>
+              </a:spcAft>
+              <a:buFont typeface="Arial" panose="020B0604020202020204" pitchFamily="34" charset="0"/>
+              <a:buChar char="•"/>
+            </a:pPr>
+            <a:r>
+              <a:rPr lang="en-IN" sz="1600" b="1" dirty="0">
+                <a:solidFill>
+                  <a:schemeClr val="tx1"/>
+                </a:solidFill>
+                <a:latin typeface="+mj-lt"/>
+                <a:ea typeface="Times New Roman" panose="02020603050405020304"/>
+                <a:cs typeface="Open Sans"/>
+              </a:rPr>
+              <a:t>G. Beulah Christiana</a:t>
+            </a:r>
           </a:p>
           <a:p>
             <a:pPr algn="just" defTabSz="666750">
@@ -5384,7 +5359,7 @@
               </a:spcAft>
             </a:pPr>
             <a:r>
-              <a:rPr lang="en-IN" sz="1600" b="1" dirty="0" smtClean="0">
+              <a:rPr lang="en-IN" sz="1600" b="1" dirty="0">
                 <a:solidFill>
                   <a:schemeClr val="tx1"/>
                 </a:solidFill>
@@ -5394,14 +5369,187 @@
               </a:rPr>
               <a:t>Team Members:</a:t>
             </a:r>
-            <a:endParaRPr lang="en-IN" sz="1600" b="1" dirty="0">
-              <a:solidFill>
-                <a:schemeClr val="tx1"/>
-              </a:solidFill>
-              <a:latin typeface="+mj-lt"/>
-              <a:ea typeface="Times New Roman" panose="02020603050405020304"/>
-              <a:cs typeface="Open Sans"/>
-            </a:endParaRPr>
+          </a:p>
+          <a:p>
+            <a:pPr marL="285750" indent="-285750" algn="just" defTabSz="666750">
+              <a:lnSpc>
+                <a:spcPct val="114000"/>
+              </a:lnSpc>
+              <a:spcBef>
+                <a:spcPct val="0"/>
+              </a:spcBef>
+              <a:spcAft>
+                <a:spcPts val="300"/>
+              </a:spcAft>
+              <a:buFont typeface="Arial" panose="020B0604020202020204" pitchFamily="34" charset="0"/>
+              <a:buChar char="•"/>
+            </a:pPr>
+            <a:r>
+              <a:rPr lang="en-IN" sz="1600" b="1" dirty="0">
+                <a:solidFill>
+                  <a:schemeClr val="tx1"/>
+                </a:solidFill>
+                <a:latin typeface="+mj-lt"/>
+                <a:ea typeface="Times New Roman" panose="02020603050405020304"/>
+                <a:cs typeface="Open Sans"/>
+              </a:rPr>
+              <a:t>B. Deepika </a:t>
+            </a:r>
+            <a:r>
+              <a:rPr lang="en-IN" sz="1600" b="1" dirty="0" err="1">
+                <a:solidFill>
+                  <a:schemeClr val="tx1"/>
+                </a:solidFill>
+                <a:latin typeface="+mj-lt"/>
+                <a:ea typeface="Times New Roman" panose="02020603050405020304"/>
+                <a:cs typeface="Open Sans"/>
+              </a:rPr>
+              <a:t>Sowjanya</a:t>
+            </a:r>
+            <a:r>
+              <a:rPr lang="en-IN" sz="1600" b="1" dirty="0">
+                <a:solidFill>
+                  <a:schemeClr val="tx1"/>
+                </a:solidFill>
+                <a:latin typeface="+mj-lt"/>
+                <a:ea typeface="Times New Roman" panose="02020603050405020304"/>
+                <a:cs typeface="Open Sans"/>
+              </a:rPr>
+              <a:t> </a:t>
+            </a:r>
+          </a:p>
+          <a:p>
+            <a:pPr marL="285750" indent="-285750" algn="just" defTabSz="666750">
+              <a:lnSpc>
+                <a:spcPct val="114000"/>
+              </a:lnSpc>
+              <a:spcBef>
+                <a:spcPct val="0"/>
+              </a:spcBef>
+              <a:spcAft>
+                <a:spcPts val="300"/>
+              </a:spcAft>
+              <a:buFont typeface="Arial" panose="020B0604020202020204" pitchFamily="34" charset="0"/>
+              <a:buChar char="•"/>
+            </a:pPr>
+            <a:r>
+              <a:rPr lang="en-IN" sz="1600" b="1">
+                <a:solidFill>
+                  <a:schemeClr val="tx1"/>
+                </a:solidFill>
+                <a:latin typeface="+mj-lt"/>
+                <a:ea typeface="Times New Roman" panose="02020603050405020304"/>
+                <a:cs typeface="Open Sans"/>
+              </a:rPr>
+              <a:t>T.R.Indira</a:t>
+            </a:r>
+            <a:r>
+              <a:rPr lang="en-IN" sz="1600" b="1" dirty="0">
+                <a:solidFill>
+                  <a:schemeClr val="tx1"/>
+                </a:solidFill>
+                <a:latin typeface="+mj-lt"/>
+                <a:ea typeface="Times New Roman" panose="02020603050405020304"/>
+                <a:cs typeface="Open Sans"/>
+              </a:rPr>
+              <a:t> Priyadarshini </a:t>
+            </a:r>
+          </a:p>
+          <a:p>
+            <a:pPr marL="285750" indent="-285750" algn="just" defTabSz="666750">
+              <a:lnSpc>
+                <a:spcPct val="114000"/>
+              </a:lnSpc>
+              <a:spcBef>
+                <a:spcPct val="0"/>
+              </a:spcBef>
+              <a:spcAft>
+                <a:spcPts val="300"/>
+              </a:spcAft>
+              <a:buFont typeface="Arial" panose="020B0604020202020204" pitchFamily="34" charset="0"/>
+              <a:buChar char="•"/>
+            </a:pPr>
+            <a:r>
+              <a:rPr lang="en-IN" sz="1600" b="1" dirty="0">
+                <a:solidFill>
+                  <a:schemeClr val="tx1"/>
+                </a:solidFill>
+                <a:latin typeface="+mj-lt"/>
+                <a:ea typeface="Times New Roman" panose="02020603050405020304"/>
+                <a:cs typeface="Open Sans"/>
+              </a:rPr>
+              <a:t>B. </a:t>
+            </a:r>
+            <a:r>
+              <a:rPr lang="en-IN" sz="1600" b="1" dirty="0" err="1">
+                <a:solidFill>
+                  <a:schemeClr val="tx1"/>
+                </a:solidFill>
+                <a:latin typeface="+mj-lt"/>
+                <a:ea typeface="Times New Roman" panose="02020603050405020304"/>
+                <a:cs typeface="Open Sans"/>
+              </a:rPr>
+              <a:t>Nikshipth</a:t>
+            </a:r>
+            <a:r>
+              <a:rPr lang="en-IN" sz="1600" b="1" dirty="0">
+                <a:solidFill>
+                  <a:schemeClr val="tx1"/>
+                </a:solidFill>
+                <a:latin typeface="+mj-lt"/>
+                <a:ea typeface="Times New Roman" panose="02020603050405020304"/>
+                <a:cs typeface="Open Sans"/>
+              </a:rPr>
+              <a:t> </a:t>
+            </a:r>
+          </a:p>
+          <a:p>
+            <a:pPr marL="285750" indent="-285750" algn="just" defTabSz="666750">
+              <a:lnSpc>
+                <a:spcPct val="114000"/>
+              </a:lnSpc>
+              <a:spcBef>
+                <a:spcPct val="0"/>
+              </a:spcBef>
+              <a:spcAft>
+                <a:spcPts val="300"/>
+              </a:spcAft>
+              <a:buFont typeface="Arial" panose="020B0604020202020204" pitchFamily="34" charset="0"/>
+              <a:buChar char="•"/>
+            </a:pPr>
+            <a:r>
+              <a:rPr lang="en-IN" sz="1600" b="1" dirty="0">
+                <a:solidFill>
+                  <a:schemeClr val="tx1"/>
+                </a:solidFill>
+                <a:latin typeface="+mj-lt"/>
+                <a:ea typeface="Times New Roman" panose="02020603050405020304"/>
+                <a:cs typeface="Open Sans"/>
+              </a:rPr>
+              <a:t>N. </a:t>
+            </a:r>
+            <a:r>
+              <a:rPr lang="en-IN" sz="1600" b="1" dirty="0" err="1">
+                <a:solidFill>
+                  <a:schemeClr val="tx1"/>
+                </a:solidFill>
+                <a:latin typeface="+mj-lt"/>
+                <a:ea typeface="Times New Roman" panose="02020603050405020304"/>
+                <a:cs typeface="Open Sans"/>
+              </a:rPr>
+              <a:t>Shanmukha</a:t>
+            </a:r>
+            <a:r>
+              <a:rPr lang="en-IN" sz="1600" b="1" dirty="0">
+                <a:solidFill>
+                  <a:schemeClr val="tx1"/>
+                </a:solidFill>
+                <a:latin typeface="+mj-lt"/>
+                <a:ea typeface="Times New Roman" panose="02020603050405020304"/>
+                <a:cs typeface="Open Sans"/>
+              </a:rPr>
+              <a:t> Rama </a:t>
+            </a:r>
           </a:p>
           <a:p>
             <a:pPr algn="just" defTabSz="666750">
@@ -5415,7 +5563,7 @@
                 <a:spcPts val="300"/>
               </a:spcAft>
             </a:pPr>
-            <a:endParaRPr lang="en-IN" sz="1600" b="1" dirty="0" smtClean="0">
+            <a:endParaRPr lang="en-IN" sz="1600" b="1" dirty="0">
               <a:solidFill>
                 <a:schemeClr val="tx1"/>
               </a:solidFill>
@@ -5457,7 +5605,7 @@
                 <a:spcPts val="300"/>
               </a:spcAft>
             </a:pPr>
-            <a:endParaRPr lang="en-IN" sz="1600" b="1" dirty="0" smtClean="0">
+            <a:endParaRPr lang="en-IN" sz="1600" b="1" dirty="0">
               <a:solidFill>
                 <a:schemeClr val="tx1"/>
               </a:solidFill>
@@ -5499,28 +5647,7 @@
                 <a:spcPts val="300"/>
               </a:spcAft>
             </a:pPr>
-            <a:endParaRPr lang="en-IN" sz="1600" b="1" dirty="0" smtClean="0">
-              <a:solidFill>
-                <a:schemeClr val="tx1"/>
-              </a:solidFill>
-              <a:latin typeface="+mj-lt"/>
-              <a:ea typeface="Times New Roman" panose="02020603050405020304"/>
-              <a:cs typeface="Open Sans"/>
-            </a:endParaRPr>
-          </a:p>
-          <a:p>
-            <a:pPr algn="just" defTabSz="666750">
-              <a:lnSpc>
-                <a:spcPct val="114000"/>
-              </a:lnSpc>
-              <a:spcBef>
-                <a:spcPct val="0"/>
-              </a:spcBef>
-              <a:spcAft>
-                <a:spcPts val="300"/>
-              </a:spcAft>
-            </a:pPr>
-            <a:endParaRPr lang="en-IN" sz="1600" b="1" dirty="0" smtClean="0">
+            <a:endParaRPr lang="en-IN" sz="1600" b="1" dirty="0">
               <a:solidFill>
                 <a:schemeClr val="tx1"/>
               </a:solidFill>
@@ -5551,6 +5678,7 @@
           <a:bodyPr wrap="none" rtlCol="0">
             <a:spAutoFit/>
           </a:bodyPr>
+          <a:lstStyle/>
           <a:p>
             <a:endParaRPr lang="en-US"/>
           </a:p>
@@ -5661,10 +5789,22 @@
                 <a:spcPts val="300"/>
               </a:spcAft>
             </a:pPr>
-            <a:endParaRPr lang="en-IN" sz="1600" b="1" dirty="0" smtClean="0">
+            <a:r>
+              <a:rPr lang="en-US" sz="1600" dirty="0">
+                <a:solidFill>
+                  <a:schemeClr val="tx1"/>
+                </a:solidFill>
+                <a:latin typeface="Times New Roman" panose="02020603050405020304" pitchFamily="18" charset="0"/>
+                <a:cs typeface="Times New Roman" panose="02020603050405020304" pitchFamily="18" charset="0"/>
+              </a:rPr>
+              <a:t>The Hospital Appointment System project aims to address challenges such as inefficient appointment booking, lack of centralized information, limited access to diagnostic reports, inadequate revenue tracking, inconvenience for patients and doctors, and manual prescription and consultation updates. By implementing an automated system with centralized data management, seamless report integration, efficient revenue tracking, and user-friendly features, the project aims to streamline operations, enhance patient care, and optimize the workflow within the hospital.</a:t>
+            </a:r>
+            <a:endParaRPr lang="en-IN" sz="1600" dirty="0">
               <a:solidFill>
                 <a:schemeClr val="tx1"/>
               </a:solidFill>
+              <a:latin typeface="Times New Roman" panose="02020603050405020304" pitchFamily="18" charset="0"/>
+              <a:cs typeface="Times New Roman" panose="02020603050405020304" pitchFamily="18" charset="0"/>
             </a:endParaRPr>
           </a:p>
           <a:p>
@@ -5697,7 +5837,7 @@
                 <a:spcPts val="300"/>
               </a:spcAft>
             </a:pPr>
-            <a:endParaRPr lang="en-IN" sz="1600" b="1" dirty="0" smtClean="0">
+            <a:endParaRPr lang="en-IN" sz="1600" b="1" dirty="0">
               <a:solidFill>
                 <a:schemeClr val="tx1"/>
               </a:solidFill>
@@ -5715,69 +5855,15 @@
                 <a:spcPts val="300"/>
               </a:spcAft>
             </a:pPr>
-            <a:endParaRPr lang="en-IN" sz="1600" b="1" dirty="0">
-              <a:solidFill>
-                <a:schemeClr val="tx1"/>
-              </a:solidFill>
-            </a:endParaRPr>
-          </a:p>
-          <a:p>
-            <a:pPr algn="just" defTabSz="666750">
-              <a:lnSpc>
-                <a:spcPct val="114000"/>
-              </a:lnSpc>
-              <a:spcBef>
-                <a:spcPct val="0"/>
-              </a:spcBef>
-              <a:spcAft>
-                <a:spcPts val="300"/>
-              </a:spcAft>
-            </a:pPr>
-            <a:endParaRPr lang="en-IN" sz="1600" b="1" dirty="0" smtClean="0">
-              <a:solidFill>
-                <a:schemeClr val="tx1"/>
-              </a:solidFill>
-            </a:endParaRPr>
-          </a:p>
-          <a:p>
-            <a:pPr algn="just" defTabSz="666750">
-              <a:lnSpc>
-                <a:spcPct val="114000"/>
-              </a:lnSpc>
-              <a:spcBef>
-                <a:spcPct val="0"/>
-              </a:spcBef>
-              <a:spcAft>
-                <a:spcPts val="300"/>
-              </a:spcAft>
-            </a:pPr>
-            <a:r>
-              <a:rPr lang="en-IN" sz="1600" b="1" dirty="0" smtClean="0">
+            <a:r>
+              <a:rPr lang="en-IN" sz="1600" b="1" dirty="0">
                 <a:solidFill>
                   <a:schemeClr val="tx1"/>
                 </a:solidFill>
               </a:rPr>
               <a:t>Project Goals:</a:t>
             </a:r>
-            <a:endParaRPr lang="en-IN" sz="1600" b="1" dirty="0" smtClean="0">
-              <a:solidFill>
-                <a:schemeClr val="tx1"/>
-              </a:solidFill>
-            </a:endParaRPr>
-          </a:p>
-          <a:p>
-            <a:pPr algn="just" defTabSz="666750">
-              <a:lnSpc>
-                <a:spcPct val="114000"/>
-              </a:lnSpc>
-              <a:spcBef>
-                <a:spcPct val="0"/>
-              </a:spcBef>
-              <a:spcAft>
-                <a:spcPts val="300"/>
-              </a:spcAft>
-            </a:pPr>
-            <a:endParaRPr lang="en-IN" sz="1600" b="1" dirty="0">
+            <a:endParaRPr lang="en-IN" sz="1600" dirty="0">
               <a:solidFill>
                 <a:schemeClr val="tx1"/>
               </a:solidFill>
@@ -5800,7 +5886,7 @@
               <a:buAutoNum type="arabicPeriod"/>
             </a:pPr>
             <a:r>
-              <a:rPr lang="en-IN" sz="1600" b="1" dirty="0" smtClean="0">
+              <a:rPr lang="en-IN" sz="1600" dirty="0">
                 <a:solidFill>
                   <a:schemeClr val="tx1"/>
                 </a:solidFill>
@@ -5810,14 +5896,6 @@
               </a:rPr>
               <a:t>Streamline Appointment Booking</a:t>
             </a:r>
-            <a:endParaRPr lang="en-IN" sz="1600" b="1" dirty="0" smtClean="0">
-              <a:solidFill>
-                <a:schemeClr val="tx1"/>
-              </a:solidFill>
-              <a:latin typeface="Times New Roman" panose="02020603050405020304" charset="0"/>
-              <a:ea typeface="Times New Roman" panose="02020603050405020304"/>
-              <a:cs typeface="Times New Roman" panose="02020603050405020304" charset="0"/>
-            </a:endParaRPr>
           </a:p>
           <a:p>
             <a:pPr marL="342900" indent="-342900" algn="just" defTabSz="666750">
@@ -5833,7 +5911,7 @@
               <a:buAutoNum type="arabicPeriod"/>
             </a:pPr>
             <a:r>
-              <a:rPr lang="en-IN" sz="1600" b="1" dirty="0" smtClean="0">
+              <a:rPr lang="en-IN" sz="1600" dirty="0">
                 <a:solidFill>
                   <a:schemeClr val="tx1"/>
                 </a:solidFill>
@@ -5843,14 +5921,6 @@
               </a:rPr>
               <a:t>Enhanced Patient Experience</a:t>
             </a:r>
-            <a:endParaRPr lang="en-IN" sz="1600" b="1" dirty="0" smtClean="0">
-              <a:solidFill>
-                <a:schemeClr val="tx1"/>
-              </a:solidFill>
-              <a:latin typeface="Times New Roman" panose="02020603050405020304" charset="0"/>
-              <a:ea typeface="Times New Roman" panose="02020603050405020304"/>
-              <a:cs typeface="Times New Roman" panose="02020603050405020304" charset="0"/>
-            </a:endParaRPr>
           </a:p>
           <a:p>
             <a:pPr marL="342900" indent="-342900" algn="just" defTabSz="666750">
@@ -5866,7 +5936,7 @@
               <a:buAutoNum type="arabicPeriod"/>
             </a:pPr>
             <a:r>
-              <a:rPr lang="en-IN" sz="1600" b="1" dirty="0" smtClean="0">
+              <a:rPr lang="en-IN" sz="1600" dirty="0">
                 <a:solidFill>
                   <a:schemeClr val="tx1"/>
                 </a:solidFill>
@@ -5876,14 +5946,6 @@
               </a:rPr>
               <a:t>Revenue Tracking and Reporting</a:t>
             </a:r>
-            <a:endParaRPr lang="en-IN" sz="1600" b="1" dirty="0" smtClean="0">
-              <a:solidFill>
-                <a:schemeClr val="tx1"/>
-              </a:solidFill>
-              <a:latin typeface="Times New Roman" panose="02020603050405020304" charset="0"/>
-              <a:ea typeface="Times New Roman" panose="02020603050405020304"/>
-              <a:cs typeface="Times New Roman" panose="02020603050405020304" charset="0"/>
-            </a:endParaRPr>
           </a:p>
           <a:p>
             <a:pPr marL="342900" indent="-342900" algn="just" defTabSz="666750">
@@ -5899,7 +5961,7 @@
               <a:buAutoNum type="arabicPeriod"/>
             </a:pPr>
             <a:r>
-              <a:rPr lang="en-IN" sz="1600" b="1" dirty="0" smtClean="0">
+              <a:rPr lang="en-IN" sz="1600" dirty="0">
                 <a:solidFill>
                   <a:schemeClr val="tx1"/>
                 </a:solidFill>
@@ -5909,14 +5971,6 @@
               </a:rPr>
               <a:t>Efficient Management</a:t>
             </a:r>
-            <a:endParaRPr lang="en-IN" sz="1600" b="1" dirty="0" smtClean="0">
-              <a:solidFill>
-                <a:schemeClr val="tx1"/>
-              </a:solidFill>
-              <a:latin typeface="Times New Roman" panose="02020603050405020304" charset="0"/>
-              <a:ea typeface="Times New Roman" panose="02020603050405020304"/>
-              <a:cs typeface="Times New Roman" panose="02020603050405020304" charset="0"/>
-            </a:endParaRPr>
           </a:p>
           <a:p>
             <a:pPr algn="just" defTabSz="666750">
@@ -5951,7 +6005,7 @@
                 <a:spcPts val="300"/>
               </a:spcAft>
             </a:pPr>
-            <a:endParaRPr lang="en-IN" sz="1600" b="1" dirty="0" smtClean="0">
+            <a:endParaRPr lang="en-IN" sz="1600" b="1" dirty="0">
               <a:solidFill>
                 <a:schemeClr val="tx1"/>
               </a:solidFill>
@@ -5993,7 +6047,7 @@
                 <a:spcPts val="300"/>
               </a:spcAft>
             </a:pPr>
-            <a:endParaRPr lang="en-IN" sz="1600" b="1" dirty="0" smtClean="0">
+            <a:endParaRPr lang="en-IN" sz="1600" b="1" dirty="0">
               <a:solidFill>
                 <a:schemeClr val="tx1"/>
               </a:solidFill>
@@ -6014,7 +6068,7 @@
                 <a:spcPts val="300"/>
               </a:spcAft>
             </a:pPr>
-            <a:endParaRPr lang="en-IN" sz="1600" b="1" dirty="0" smtClean="0">
+            <a:endParaRPr lang="en-IN" sz="1600" b="1" dirty="0">
               <a:solidFill>
                 <a:schemeClr val="tx1"/>
               </a:solidFill>
@@ -6054,18 +6108,13 @@
           <a:p>
             <a:pPr defTabSz="914400"/>
             <a:r>
-              <a:rPr lang="en-IN" sz="1800" b="1" kern="0" dirty="0" smtClean="0">
+              <a:rPr lang="en-IN" sz="1800" b="1" kern="0" dirty="0">
                 <a:solidFill>
                   <a:sysClr val="windowText" lastClr="000000"/>
                 </a:solidFill>
               </a:rPr>
               <a:t>Project Highlights	</a:t>
             </a:r>
-            <a:endParaRPr lang="en-IN" sz="1800" b="1" kern="0" dirty="0">
-              <a:solidFill>
-                <a:sysClr val="windowText" lastClr="000000"/>
-              </a:solidFill>
-            </a:endParaRPr>
           </a:p>
         </p:txBody>
       </p:sp>
@@ -6135,13 +6184,22 @@
           <a:bodyPr rtlCol="0" anchor="t" anchorCtr="0"/>
           <a:lstStyle/>
           <a:p>
-            <a:r>
-              <a:rPr lang="en-IN" sz="1400" dirty="0" smtClean="0">
-                <a:solidFill>
-                  <a:schemeClr val="tx1"/>
-                </a:solidFill>
-              </a:rPr>
-              <a:t>&lt;&lt;Team Member&gt;&gt;</a:t>
+            <a:pPr algn="ctr"/>
+            <a:endParaRPr lang="en-US" sz="1400" dirty="0">
+              <a:solidFill>
+                <a:schemeClr val="tx1"/>
+              </a:solidFill>
+            </a:endParaRPr>
+          </a:p>
+          <a:p>
+            <a:pPr algn="ctr"/>
+            <a:r>
+              <a:rPr lang="en-US" sz="1400" dirty="0">
+                <a:solidFill>
+                  <a:schemeClr val="tx1"/>
+                </a:solidFill>
+              </a:rPr>
+              <a:t>P. V. V. Mahesh Kumar</a:t>
             </a:r>
             <a:endParaRPr lang="en-IN" sz="1400" dirty="0">
               <a:solidFill>
@@ -6193,17 +6251,93 @@
           <a:lstStyle/>
           <a:p>
             <a:r>
-              <a:rPr lang="en-IN" sz="1400" dirty="0" smtClean="0">
-                <a:solidFill>
-                  <a:schemeClr val="tx1"/>
-                </a:solidFill>
-              </a:rPr>
-              <a:t>&lt;&lt;Primary Role played in the project with all the details&gt;&gt;</a:t>
-            </a:r>
-            <a:endParaRPr lang="en-IN" sz="1400" dirty="0">
+              <a:rPr lang="en-US" sz="1300" b="1" i="1" dirty="0">
+                <a:solidFill>
+                  <a:schemeClr val="tx1"/>
+                </a:solidFill>
+                <a:latin typeface="Times New Roman" panose="02020603050405020304" pitchFamily="18" charset="0"/>
+                <a:cs typeface="Times New Roman" panose="02020603050405020304" pitchFamily="18" charset="0"/>
+              </a:rPr>
+              <a:t>Primary Role</a:t>
+            </a:r>
+            <a:r>
+              <a:rPr lang="en-US" sz="1300" dirty="0">
+                <a:solidFill>
+                  <a:schemeClr val="tx1"/>
+                </a:solidFill>
+                <a:latin typeface="Times New Roman" panose="02020603050405020304" pitchFamily="18" charset="0"/>
+                <a:cs typeface="Times New Roman" panose="02020603050405020304" pitchFamily="18" charset="0"/>
+              </a:rPr>
+              <a:t>: Appointment Management</a:t>
+            </a:r>
+          </a:p>
+          <a:p>
+            <a:r>
+              <a:rPr lang="en-US" sz="1300" b="1" i="1" dirty="0">
+                <a:solidFill>
+                  <a:schemeClr val="tx1"/>
+                </a:solidFill>
+                <a:latin typeface="Times New Roman" panose="02020603050405020304" pitchFamily="18" charset="0"/>
+                <a:cs typeface="Times New Roman" panose="02020603050405020304" pitchFamily="18" charset="0"/>
+              </a:rPr>
+              <a:t>Responsibilities</a:t>
+            </a:r>
+            <a:r>
+              <a:rPr lang="en-US" sz="1300" dirty="0">
+                <a:solidFill>
+                  <a:schemeClr val="tx1"/>
+                </a:solidFill>
+                <a:latin typeface="Times New Roman" panose="02020603050405020304" pitchFamily="18" charset="0"/>
+                <a:cs typeface="Times New Roman" panose="02020603050405020304" pitchFamily="18" charset="0"/>
+              </a:rPr>
+              <a:t>: Handles the controllers for appointment-related functionalities and implements appointment management services. Interacts with the </a:t>
+            </a:r>
+            <a:r>
+              <a:rPr lang="en-US" sz="1300" dirty="0" err="1">
+                <a:solidFill>
+                  <a:schemeClr val="tx1"/>
+                </a:solidFill>
+                <a:latin typeface="Times New Roman" panose="02020603050405020304" pitchFamily="18" charset="0"/>
+                <a:cs typeface="Times New Roman" panose="02020603050405020304" pitchFamily="18" charset="0"/>
+              </a:rPr>
+              <a:t>AppointmentsDao</a:t>
+            </a:r>
+            <a:r>
+              <a:rPr lang="en-US" sz="1300" dirty="0">
+                <a:solidFill>
+                  <a:schemeClr val="tx1"/>
+                </a:solidFill>
+                <a:latin typeface="Times New Roman" panose="02020603050405020304" pitchFamily="18" charset="0"/>
+                <a:cs typeface="Times New Roman" panose="02020603050405020304" pitchFamily="18" charset="0"/>
+              </a:rPr>
+              <a:t> for data access. Performs unit testing for the </a:t>
+            </a:r>
+            <a:r>
+              <a:rPr lang="en-US" sz="1300" dirty="0" err="1">
+                <a:solidFill>
+                  <a:schemeClr val="tx1"/>
+                </a:solidFill>
+                <a:latin typeface="Times New Roman" panose="02020603050405020304" pitchFamily="18" charset="0"/>
+                <a:cs typeface="Times New Roman" panose="02020603050405020304" pitchFamily="18" charset="0"/>
+              </a:rPr>
+              <a:t>AppointmentService</a:t>
+            </a:r>
+            <a:r>
+              <a:rPr lang="en-US" sz="1300" dirty="0">
+                <a:solidFill>
+                  <a:schemeClr val="tx1"/>
+                </a:solidFill>
+                <a:latin typeface="Times New Roman" panose="02020603050405020304" pitchFamily="18" charset="0"/>
+                <a:cs typeface="Times New Roman" panose="02020603050405020304" pitchFamily="18" charset="0"/>
+              </a:rPr>
+              <a:t>.</a:t>
+            </a:r>
+            <a:endParaRPr lang="en-IN" sz="1300" dirty="0">
               <a:solidFill>
                 <a:schemeClr val="tx1"/>
               </a:solidFill>
+              <a:latin typeface="Times New Roman" panose="02020603050405020304" pitchFamily="18" charset="0"/>
+              <a:cs typeface="Times New Roman" panose="02020603050405020304" pitchFamily="18" charset="0"/>
             </a:endParaRPr>
           </a:p>
         </p:txBody>
@@ -6249,19 +6383,22 @@
           <a:bodyPr rtlCol="0" anchor="t" anchorCtr="0"/>
           <a:lstStyle/>
           <a:p>
-            <a:r>
-              <a:rPr lang="en-IN" sz="1400" dirty="0" smtClean="0">
-                <a:solidFill>
-                  <a:schemeClr val="tx1"/>
-                </a:solidFill>
-              </a:rPr>
-              <a:t>&lt;&lt;Team Member&gt;&gt;</a:t>
-            </a:r>
             <a:endParaRPr lang="en-IN" sz="1400" dirty="0">
               <a:solidFill>
                 <a:schemeClr val="tx1"/>
               </a:solidFill>
             </a:endParaRPr>
+          </a:p>
+          <a:p>
+            <a:pPr algn="ctr"/>
+            <a:r>
+              <a:rPr lang="en-IN" sz="1400" dirty="0">
+                <a:solidFill>
+                  <a:schemeClr val="tx1"/>
+                </a:solidFill>
+              </a:rPr>
+              <a:t>G. Beulah Christiana </a:t>
+            </a:r>
           </a:p>
         </p:txBody>
       </p:sp>
@@ -6307,17 +6444,133 @@
           <a:lstStyle/>
           <a:p>
             <a:r>
-              <a:rPr lang="en-IN" sz="1400" dirty="0" smtClean="0">
-                <a:solidFill>
-                  <a:schemeClr val="tx1"/>
-                </a:solidFill>
-              </a:rPr>
-              <a:t>&lt;&lt;Primary Role played in the project with all the details&gt;&gt;</a:t>
-            </a:r>
-            <a:endParaRPr lang="en-IN" sz="1400" dirty="0">
+              <a:rPr lang="en-US" sz="1300" b="1" i="1" dirty="0">
+                <a:solidFill>
+                  <a:schemeClr val="tx1"/>
+                </a:solidFill>
+                <a:latin typeface="Times New Roman" panose="02020603050405020304" pitchFamily="18" charset="0"/>
+                <a:cs typeface="Times New Roman" panose="02020603050405020304" pitchFamily="18" charset="0"/>
+              </a:rPr>
+              <a:t>Primary Role</a:t>
+            </a:r>
+            <a:r>
+              <a:rPr lang="en-US" sz="1300" dirty="0">
+                <a:solidFill>
+                  <a:schemeClr val="tx1"/>
+                </a:solidFill>
+                <a:latin typeface="Times New Roman" panose="02020603050405020304" pitchFamily="18" charset="0"/>
+                <a:cs typeface="Times New Roman" panose="02020603050405020304" pitchFamily="18" charset="0"/>
+              </a:rPr>
+              <a:t>: Payment and Test Booking</a:t>
+            </a:r>
+          </a:p>
+          <a:p>
+            <a:r>
+              <a:rPr lang="en-US" sz="1300" b="1" i="1" dirty="0">
+                <a:solidFill>
+                  <a:schemeClr val="tx1"/>
+                </a:solidFill>
+                <a:latin typeface="Times New Roman" panose="02020603050405020304" pitchFamily="18" charset="0"/>
+                <a:cs typeface="Times New Roman" panose="02020603050405020304" pitchFamily="18" charset="0"/>
+              </a:rPr>
+              <a:t>Responsibilities</a:t>
+            </a:r>
+            <a:r>
+              <a:rPr lang="en-US" sz="1300" dirty="0">
+                <a:solidFill>
+                  <a:schemeClr val="tx1"/>
+                </a:solidFill>
+                <a:latin typeface="Times New Roman" panose="02020603050405020304" pitchFamily="18" charset="0"/>
+                <a:cs typeface="Times New Roman" panose="02020603050405020304" pitchFamily="18" charset="0"/>
+              </a:rPr>
+              <a:t>: Manages the controllers for payment processing and test booking. Implements services for payment-related functionalities and patient dashboard operations. Interacts with the </a:t>
+            </a:r>
+            <a:r>
+              <a:rPr lang="en-US" sz="1300" dirty="0" err="1">
+                <a:solidFill>
+                  <a:schemeClr val="tx1"/>
+                </a:solidFill>
+                <a:latin typeface="Times New Roman" panose="02020603050405020304" pitchFamily="18" charset="0"/>
+                <a:cs typeface="Times New Roman" panose="02020603050405020304" pitchFamily="18" charset="0"/>
+              </a:rPr>
+              <a:t>DiagnosticBillDao</a:t>
+            </a:r>
+            <a:r>
+              <a:rPr lang="en-US" sz="1300" dirty="0">
+                <a:solidFill>
+                  <a:schemeClr val="tx1"/>
+                </a:solidFill>
+                <a:latin typeface="Times New Roman" panose="02020603050405020304" pitchFamily="18" charset="0"/>
+                <a:cs typeface="Times New Roman" panose="02020603050405020304" pitchFamily="18" charset="0"/>
+              </a:rPr>
+              <a:t> and </a:t>
+            </a:r>
+            <a:r>
+              <a:rPr lang="en-US" sz="1300" dirty="0" err="1">
+                <a:solidFill>
+                  <a:schemeClr val="tx1"/>
+                </a:solidFill>
+                <a:latin typeface="Times New Roman" panose="02020603050405020304" pitchFamily="18" charset="0"/>
+                <a:cs typeface="Times New Roman" panose="02020603050405020304" pitchFamily="18" charset="0"/>
+              </a:rPr>
+              <a:t>AdminDao</a:t>
+            </a:r>
+            <a:r>
+              <a:rPr lang="en-US" sz="1300" dirty="0">
+                <a:solidFill>
+                  <a:schemeClr val="tx1"/>
+                </a:solidFill>
+                <a:latin typeface="Times New Roman" panose="02020603050405020304" pitchFamily="18" charset="0"/>
+                <a:cs typeface="Times New Roman" panose="02020603050405020304" pitchFamily="18" charset="0"/>
+              </a:rPr>
+              <a:t> for data access. Performs unit testing for the </a:t>
+            </a:r>
+            <a:r>
+              <a:rPr lang="en-US" sz="1300" dirty="0" err="1">
+                <a:solidFill>
+                  <a:schemeClr val="tx1"/>
+                </a:solidFill>
+                <a:latin typeface="Times New Roman" panose="02020603050405020304" pitchFamily="18" charset="0"/>
+                <a:cs typeface="Times New Roman" panose="02020603050405020304" pitchFamily="18" charset="0"/>
+              </a:rPr>
+              <a:t>PaymentService</a:t>
+            </a:r>
+            <a:r>
+              <a:rPr lang="en-US" sz="1300" dirty="0">
+                <a:solidFill>
+                  <a:schemeClr val="tx1"/>
+                </a:solidFill>
+                <a:latin typeface="Times New Roman" panose="02020603050405020304" pitchFamily="18" charset="0"/>
+                <a:cs typeface="Times New Roman" panose="02020603050405020304" pitchFamily="18" charset="0"/>
+              </a:rPr>
+              <a:t> and </a:t>
+            </a:r>
+            <a:r>
+              <a:rPr lang="en-US" sz="1300" dirty="0" err="1">
+                <a:solidFill>
+                  <a:schemeClr val="tx1"/>
+                </a:solidFill>
+                <a:latin typeface="Times New Roman" panose="02020603050405020304" pitchFamily="18" charset="0"/>
+                <a:cs typeface="Times New Roman" panose="02020603050405020304" pitchFamily="18" charset="0"/>
+              </a:rPr>
+              <a:t>PatientService</a:t>
+            </a:r>
+            <a:r>
+              <a:rPr lang="en-US" sz="1300" dirty="0">
+                <a:solidFill>
+                  <a:schemeClr val="tx1"/>
+                </a:solidFill>
+                <a:latin typeface="Times New Roman" panose="02020603050405020304" pitchFamily="18" charset="0"/>
+                <a:cs typeface="Times New Roman" panose="02020603050405020304" pitchFamily="18" charset="0"/>
+              </a:rPr>
+              <a:t>.</a:t>
+            </a:r>
+            <a:endParaRPr lang="en-IN" sz="1300" dirty="0">
               <a:solidFill>
                 <a:schemeClr val="tx1"/>
               </a:solidFill>
+              <a:latin typeface="Times New Roman" panose="02020603050405020304" pitchFamily="18" charset="0"/>
+              <a:cs typeface="Times New Roman" panose="02020603050405020304" pitchFamily="18" charset="0"/>
             </a:endParaRPr>
           </a:p>
         </p:txBody>
@@ -6363,13 +6616,29 @@
           <a:bodyPr rtlCol="0" anchor="t" anchorCtr="0"/>
           <a:lstStyle/>
           <a:p>
-            <a:r>
-              <a:rPr lang="en-IN" sz="1400" dirty="0" smtClean="0">
-                <a:solidFill>
-                  <a:schemeClr val="tx1"/>
-                </a:solidFill>
-              </a:rPr>
-              <a:t>&lt;&lt;Team Member&gt;&gt;</a:t>
+            <a:endParaRPr lang="en-IN" sz="1400" dirty="0">
+              <a:solidFill>
+                <a:schemeClr val="tx1"/>
+              </a:solidFill>
+            </a:endParaRPr>
+          </a:p>
+          <a:p>
+            <a:pPr algn="ctr"/>
+            <a:r>
+              <a:rPr lang="en-IN" sz="1400" dirty="0">
+                <a:solidFill>
+                  <a:schemeClr val="tx1"/>
+                </a:solidFill>
+              </a:rPr>
+              <a:t>B. Deepika </a:t>
+            </a:r>
+            <a:r>
+              <a:rPr lang="en-IN" sz="1400" dirty="0" err="1">
+                <a:solidFill>
+                  <a:schemeClr val="tx1"/>
+                </a:solidFill>
+              </a:rPr>
+              <a:t>Sowjanya</a:t>
             </a:r>
             <a:endParaRPr lang="en-IN" sz="1400" dirty="0">
               <a:solidFill>
@@ -6420,18 +6689,56 @@
           <a:bodyPr rtlCol="0" anchor="t" anchorCtr="0"/>
           <a:lstStyle/>
           <a:p>
-            <a:r>
-              <a:rPr lang="en-IN" sz="1400" dirty="0" smtClean="0">
-                <a:solidFill>
-                  <a:schemeClr val="tx1"/>
-                </a:solidFill>
-              </a:rPr>
-              <a:t>&lt;&lt;Primary Role played in the project with all the details&gt;&gt;</a:t>
-            </a:r>
-            <a:endParaRPr lang="en-IN" sz="1400" dirty="0">
+            <a:pPr algn="just"/>
+            <a:r>
+              <a:rPr lang="en-US" sz="1300" b="1" i="1" dirty="0">
+                <a:solidFill>
+                  <a:schemeClr val="tx1"/>
+                </a:solidFill>
+                <a:latin typeface="Times New Roman" panose="02020603050405020304" pitchFamily="18" charset="0"/>
+                <a:cs typeface="Times New Roman" panose="02020603050405020304" pitchFamily="18" charset="0"/>
+              </a:rPr>
+              <a:t>Primary Role</a:t>
+            </a:r>
+            <a:r>
+              <a:rPr lang="en-US" sz="1300" dirty="0">
+                <a:solidFill>
+                  <a:schemeClr val="tx1"/>
+                </a:solidFill>
+                <a:latin typeface="Times New Roman" panose="02020603050405020304" pitchFamily="18" charset="0"/>
+                <a:cs typeface="Times New Roman" panose="02020603050405020304" pitchFamily="18" charset="0"/>
+              </a:rPr>
+              <a:t>: Test and Specialization Management</a:t>
+            </a:r>
+          </a:p>
+          <a:p>
+            <a:pPr algn="just"/>
+            <a:r>
+              <a:rPr lang="en-US" sz="1300" b="1" i="1" dirty="0">
+                <a:solidFill>
+                  <a:schemeClr val="tx1"/>
+                </a:solidFill>
+                <a:latin typeface="Times New Roman" panose="02020603050405020304" pitchFamily="18" charset="0"/>
+                <a:cs typeface="Times New Roman" panose="02020603050405020304" pitchFamily="18" charset="0"/>
+              </a:rPr>
+              <a:t>Responsibilities</a:t>
+            </a:r>
+            <a:r>
+              <a:rPr lang="en-US" sz="1300" dirty="0">
+                <a:solidFill>
+                  <a:schemeClr val="tx1"/>
+                </a:solidFill>
+                <a:latin typeface="Times New Roman" panose="02020603050405020304" pitchFamily="18" charset="0"/>
+                <a:cs typeface="Times New Roman" panose="02020603050405020304" pitchFamily="18" charset="0"/>
+              </a:rPr>
+              <a:t>: Manages the controllers for tests and specializations. Implements services for test-related functionalities and interacts with the Test DAO and Specialization DAO for data access. Performs unit testing for the Test Service and Specialization Service</a:t>
+            </a:r>
+            <a:endParaRPr lang="en-IN" sz="1300" dirty="0">
               <a:solidFill>
                 <a:schemeClr val="tx1"/>
               </a:solidFill>
+              <a:latin typeface="Times New Roman" panose="02020603050405020304" pitchFamily="18" charset="0"/>
+              <a:cs typeface="Times New Roman" panose="02020603050405020304" pitchFamily="18" charset="0"/>
             </a:endParaRPr>
           </a:p>
         </p:txBody>
@@ -6478,18 +6785,32 @@
           <a:lstStyle/>
           <a:p>
             <a:r>
-              <a:rPr lang="en-IN" sz="1400" dirty="0" smtClean="0">
-                <a:solidFill>
-                  <a:schemeClr val="tx1"/>
-                </a:solidFill>
-              </a:rPr>
-              <a:t>&lt;&lt;Team Member&gt;&gt;</a:t>
-            </a:r>
-            <a:endParaRPr lang="en-IN" sz="1400" dirty="0">
-              <a:solidFill>
-                <a:schemeClr val="tx1"/>
-              </a:solidFill>
-            </a:endParaRPr>
+              <a:rPr lang="en-IN" sz="1400" dirty="0">
+                <a:solidFill>
+                  <a:schemeClr val="tx1"/>
+                </a:solidFill>
+              </a:rPr>
+              <a:t> </a:t>
+            </a:r>
+          </a:p>
+          <a:p>
+            <a:pPr algn="ctr"/>
+            <a:r>
+              <a:rPr lang="en-IN" sz="1400" dirty="0" err="1">
+                <a:solidFill>
+                  <a:schemeClr val="tx1"/>
+                </a:solidFill>
+              </a:rPr>
+              <a:t>T.R.Indira</a:t>
+            </a:r>
+            <a:r>
+              <a:rPr lang="en-IN" sz="1400" dirty="0">
+                <a:solidFill>
+                  <a:schemeClr val="tx1"/>
+                </a:solidFill>
+              </a:rPr>
+              <a:t> Priyadarshini</a:t>
+            </a:r>
           </a:p>
         </p:txBody>
       </p:sp>
@@ -6535,17 +6856,93 @@
           <a:lstStyle/>
           <a:p>
             <a:r>
-              <a:rPr lang="en-IN" sz="1400" dirty="0" smtClean="0">
-                <a:solidFill>
-                  <a:schemeClr val="tx1"/>
-                </a:solidFill>
-              </a:rPr>
-              <a:t>&lt;&lt;Primary Role played in the project with all the details&gt;&gt;</a:t>
-            </a:r>
-            <a:endParaRPr lang="en-IN" sz="1400" dirty="0">
+              <a:rPr lang="en-US" sz="1300" b="1" i="1" dirty="0">
+                <a:solidFill>
+                  <a:schemeClr val="tx1"/>
+                </a:solidFill>
+                <a:latin typeface="Times New Roman" panose="02020603050405020304" pitchFamily="18" charset="0"/>
+                <a:cs typeface="Times New Roman" panose="02020603050405020304" pitchFamily="18" charset="0"/>
+              </a:rPr>
+              <a:t>Primary Role</a:t>
+            </a:r>
+            <a:r>
+              <a:rPr lang="en-US" sz="1300" dirty="0">
+                <a:solidFill>
+                  <a:schemeClr val="tx1"/>
+                </a:solidFill>
+                <a:latin typeface="Times New Roman" panose="02020603050405020304" pitchFamily="18" charset="0"/>
+                <a:cs typeface="Times New Roman" panose="02020603050405020304" pitchFamily="18" charset="0"/>
+              </a:rPr>
+              <a:t>: Post Consultation Update and Admin Management</a:t>
+            </a:r>
+          </a:p>
+          <a:p>
+            <a:r>
+              <a:rPr lang="en-US" sz="1300" b="1" i="1" dirty="0">
+                <a:solidFill>
+                  <a:schemeClr val="tx1"/>
+                </a:solidFill>
+                <a:latin typeface="Times New Roman" panose="02020603050405020304" pitchFamily="18" charset="0"/>
+                <a:cs typeface="Times New Roman" panose="02020603050405020304" pitchFamily="18" charset="0"/>
+              </a:rPr>
+              <a:t>Responsibilities</a:t>
+            </a:r>
+            <a:r>
+              <a:rPr lang="en-US" sz="1300" dirty="0">
+                <a:solidFill>
+                  <a:schemeClr val="tx1"/>
+                </a:solidFill>
+                <a:latin typeface="Times New Roman" panose="02020603050405020304" pitchFamily="18" charset="0"/>
+                <a:cs typeface="Times New Roman" panose="02020603050405020304" pitchFamily="18" charset="0"/>
+              </a:rPr>
+              <a:t>: Handles the controllers for post-consultation updates and admin-related functionalities. Implements services for updating patient profiles and performs admin-related tasks. Interacts with the </a:t>
+            </a:r>
+            <a:r>
+              <a:rPr lang="en-US" sz="1300" dirty="0" err="1">
+                <a:solidFill>
+                  <a:schemeClr val="tx1"/>
+                </a:solidFill>
+                <a:latin typeface="Times New Roman" panose="02020603050405020304" pitchFamily="18" charset="0"/>
+                <a:cs typeface="Times New Roman" panose="02020603050405020304" pitchFamily="18" charset="0"/>
+              </a:rPr>
+              <a:t>PatientProfileUpdateDao</a:t>
+            </a:r>
+            <a:r>
+              <a:rPr lang="en-US" sz="1300" dirty="0">
+                <a:solidFill>
+                  <a:schemeClr val="tx1"/>
+                </a:solidFill>
+                <a:latin typeface="Times New Roman" panose="02020603050405020304" pitchFamily="18" charset="0"/>
+                <a:cs typeface="Times New Roman" panose="02020603050405020304" pitchFamily="18" charset="0"/>
+              </a:rPr>
+              <a:t> for data access. Performs unit testing for the </a:t>
+            </a:r>
+            <a:r>
+              <a:rPr lang="en-US" sz="1300" dirty="0" err="1">
+                <a:solidFill>
+                  <a:schemeClr val="tx1"/>
+                </a:solidFill>
+                <a:latin typeface="Times New Roman" panose="02020603050405020304" pitchFamily="18" charset="0"/>
+                <a:cs typeface="Times New Roman" panose="02020603050405020304" pitchFamily="18" charset="0"/>
+              </a:rPr>
+              <a:t>UpdateProfileService</a:t>
+            </a:r>
+            <a:r>
+              <a:rPr lang="en-US" sz="1300" dirty="0">
+                <a:solidFill>
+                  <a:schemeClr val="tx1"/>
+                </a:solidFill>
+                <a:latin typeface="Times New Roman" panose="02020603050405020304" pitchFamily="18" charset="0"/>
+                <a:cs typeface="Times New Roman" panose="02020603050405020304" pitchFamily="18" charset="0"/>
+              </a:rPr>
+              <a:t>.</a:t>
+            </a:r>
+            <a:endParaRPr lang="en-IN" sz="1300" dirty="0">
               <a:solidFill>
                 <a:schemeClr val="tx1"/>
               </a:solidFill>
+              <a:latin typeface="Times New Roman" panose="02020603050405020304" pitchFamily="18" charset="0"/>
+              <a:cs typeface="Times New Roman" panose="02020603050405020304" pitchFamily="18" charset="0"/>
             </a:endParaRPr>
           </a:p>
         </p:txBody>
@@ -6591,13 +6988,30 @@
           <a:bodyPr rtlCol="0" anchor="t" anchorCtr="0"/>
           <a:lstStyle/>
           <a:p>
-            <a:r>
-              <a:rPr lang="en-IN" sz="1400" dirty="0" smtClean="0">
-                <a:solidFill>
-                  <a:schemeClr val="tx1"/>
-                </a:solidFill>
-              </a:rPr>
-              <a:t>&lt;&lt;Team Member&gt;&gt;</a:t>
+            <a:pPr algn="ctr"/>
+            <a:endParaRPr lang="en-IN" sz="1400" dirty="0">
+              <a:solidFill>
+                <a:schemeClr val="tx1"/>
+              </a:solidFill>
+            </a:endParaRPr>
+          </a:p>
+          <a:p>
+            <a:pPr algn="ctr"/>
+            <a:r>
+              <a:rPr lang="en-IN" sz="1400" dirty="0">
+                <a:solidFill>
+                  <a:schemeClr val="tx1"/>
+                </a:solidFill>
+              </a:rPr>
+              <a:t>B. R. Y. </a:t>
+            </a:r>
+            <a:r>
+              <a:rPr lang="en-IN" sz="1400" dirty="0" err="1">
+                <a:solidFill>
+                  <a:schemeClr val="tx1"/>
+                </a:solidFill>
+              </a:rPr>
+              <a:t>Nikshipth</a:t>
             </a:r>
             <a:endParaRPr lang="en-IN" sz="1400" dirty="0">
               <a:solidFill>
@@ -6649,17 +7063,153 @@
           <a:lstStyle/>
           <a:p>
             <a:r>
-              <a:rPr lang="en-IN" sz="1400" dirty="0" smtClean="0">
-                <a:solidFill>
-                  <a:schemeClr val="tx1"/>
-                </a:solidFill>
-              </a:rPr>
-              <a:t>&lt;&lt;Primary Role played in the project with all the details&gt;&gt;</a:t>
-            </a:r>
-            <a:endParaRPr lang="en-IN" sz="1400" dirty="0">
+              <a:rPr lang="en-US" sz="1300" b="1" i="1" dirty="0">
+                <a:solidFill>
+                  <a:schemeClr val="tx1"/>
+                </a:solidFill>
+                <a:latin typeface="Times New Roman" panose="02020603050405020304" pitchFamily="18" charset="0"/>
+                <a:cs typeface="Times New Roman" panose="02020603050405020304" pitchFamily="18" charset="0"/>
+              </a:rPr>
+              <a:t>Primary Role</a:t>
+            </a:r>
+            <a:r>
+              <a:rPr lang="en-US" sz="1300" dirty="0">
+                <a:solidFill>
+                  <a:schemeClr val="tx1"/>
+                </a:solidFill>
+                <a:latin typeface="Times New Roman" panose="02020603050405020304" pitchFamily="18" charset="0"/>
+                <a:cs typeface="Times New Roman" panose="02020603050405020304" pitchFamily="18" charset="0"/>
+              </a:rPr>
+              <a:t>: Report and Patient Management</a:t>
+            </a:r>
+          </a:p>
+          <a:p>
+            <a:r>
+              <a:rPr lang="en-US" sz="1300" b="1" i="1" dirty="0">
+                <a:solidFill>
+                  <a:schemeClr val="tx1"/>
+                </a:solidFill>
+                <a:latin typeface="Times New Roman" panose="02020603050405020304" pitchFamily="18" charset="0"/>
+                <a:cs typeface="Times New Roman" panose="02020603050405020304" pitchFamily="18" charset="0"/>
+              </a:rPr>
+              <a:t>Responsibilities</a:t>
+            </a:r>
+            <a:r>
+              <a:rPr lang="en-US" sz="1300" dirty="0">
+                <a:solidFill>
+                  <a:schemeClr val="tx1"/>
+                </a:solidFill>
+                <a:latin typeface="Times New Roman" panose="02020603050405020304" pitchFamily="18" charset="0"/>
+                <a:cs typeface="Times New Roman" panose="02020603050405020304" pitchFamily="18" charset="0"/>
+              </a:rPr>
+              <a:t>: Manages the controllers for generating reports and handling patient-related functionalities. Implements services for report generation and family member management. Interacts with the </a:t>
+            </a:r>
+            <a:r>
+              <a:rPr lang="en-US" sz="1300" dirty="0" err="1">
+                <a:solidFill>
+                  <a:schemeClr val="tx1"/>
+                </a:solidFill>
+                <a:latin typeface="Times New Roman" panose="02020603050405020304" pitchFamily="18" charset="0"/>
+                <a:cs typeface="Times New Roman" panose="02020603050405020304" pitchFamily="18" charset="0"/>
+              </a:rPr>
+              <a:t>DcDao</a:t>
+            </a:r>
+            <a:r>
+              <a:rPr lang="en-US" sz="1300" dirty="0">
+                <a:solidFill>
+                  <a:schemeClr val="tx1"/>
+                </a:solidFill>
+                <a:latin typeface="Times New Roman" panose="02020603050405020304" pitchFamily="18" charset="0"/>
+                <a:cs typeface="Times New Roman" panose="02020603050405020304" pitchFamily="18" charset="0"/>
+              </a:rPr>
+              <a:t>, </a:t>
+            </a:r>
+            <a:r>
+              <a:rPr lang="en-US" sz="1300" dirty="0" err="1">
+                <a:solidFill>
+                  <a:schemeClr val="tx1"/>
+                </a:solidFill>
+                <a:latin typeface="Times New Roman" panose="02020603050405020304" pitchFamily="18" charset="0"/>
+                <a:cs typeface="Times New Roman" panose="02020603050405020304" pitchFamily="18" charset="0"/>
+              </a:rPr>
+              <a:t>PatientDao</a:t>
+            </a:r>
+            <a:r>
+              <a:rPr lang="en-US" sz="1300" dirty="0">
+                <a:solidFill>
+                  <a:schemeClr val="tx1"/>
+                </a:solidFill>
+                <a:latin typeface="Times New Roman" panose="02020603050405020304" pitchFamily="18" charset="0"/>
+                <a:cs typeface="Times New Roman" panose="02020603050405020304" pitchFamily="18" charset="0"/>
+              </a:rPr>
+              <a:t>, and </a:t>
+            </a:r>
+            <a:r>
+              <a:rPr lang="en-US" sz="1300" dirty="0" err="1">
+                <a:solidFill>
+                  <a:schemeClr val="tx1"/>
+                </a:solidFill>
+                <a:latin typeface="Times New Roman" panose="02020603050405020304" pitchFamily="18" charset="0"/>
+                <a:cs typeface="Times New Roman" panose="02020603050405020304" pitchFamily="18" charset="0"/>
+              </a:rPr>
+              <a:t>FamilyMemberDao</a:t>
+            </a:r>
+            <a:r>
+              <a:rPr lang="en-US" sz="1300" dirty="0">
+                <a:solidFill>
+                  <a:schemeClr val="tx1"/>
+                </a:solidFill>
+                <a:latin typeface="Times New Roman" panose="02020603050405020304" pitchFamily="18" charset="0"/>
+                <a:cs typeface="Times New Roman" panose="02020603050405020304" pitchFamily="18" charset="0"/>
+              </a:rPr>
+              <a:t> for data access. Performs unit testing for the </a:t>
+            </a:r>
+            <a:r>
+              <a:rPr lang="en-US" sz="1300" dirty="0" err="1">
+                <a:solidFill>
+                  <a:schemeClr val="tx1"/>
+                </a:solidFill>
+                <a:latin typeface="Times New Roman" panose="02020603050405020304" pitchFamily="18" charset="0"/>
+                <a:cs typeface="Times New Roman" panose="02020603050405020304" pitchFamily="18" charset="0"/>
+              </a:rPr>
+              <a:t>ReportService</a:t>
+            </a:r>
+            <a:r>
+              <a:rPr lang="en-US" sz="1300" dirty="0">
+                <a:solidFill>
+                  <a:schemeClr val="tx1"/>
+                </a:solidFill>
+                <a:latin typeface="Times New Roman" panose="02020603050405020304" pitchFamily="18" charset="0"/>
+                <a:cs typeface="Times New Roman" panose="02020603050405020304" pitchFamily="18" charset="0"/>
+              </a:rPr>
+              <a:t> and </a:t>
+            </a:r>
+            <a:r>
+              <a:rPr lang="en-US" sz="1300" dirty="0" err="1">
+                <a:solidFill>
+                  <a:schemeClr val="tx1"/>
+                </a:solidFill>
+                <a:latin typeface="Times New Roman" panose="02020603050405020304" pitchFamily="18" charset="0"/>
+                <a:cs typeface="Times New Roman" panose="02020603050405020304" pitchFamily="18" charset="0"/>
+              </a:rPr>
+              <a:t>FamilyMemberService</a:t>
+            </a:r>
+            <a:r>
+              <a:rPr lang="en-US" sz="1300" dirty="0">
+                <a:solidFill>
+                  <a:schemeClr val="tx1"/>
+                </a:solidFill>
+                <a:latin typeface="Times New Roman" panose="02020603050405020304" pitchFamily="18" charset="0"/>
+                <a:cs typeface="Times New Roman" panose="02020603050405020304" pitchFamily="18" charset="0"/>
+              </a:rPr>
+              <a:t>.</a:t>
+            </a:r>
+            <a:endParaRPr lang="en-IN" sz="1300" dirty="0">
               <a:solidFill>
                 <a:schemeClr val="tx1"/>
               </a:solidFill>
+              <a:latin typeface="Times New Roman" panose="02020603050405020304" pitchFamily="18" charset="0"/>
+              <a:cs typeface="Times New Roman" panose="02020603050405020304" pitchFamily="18" charset="0"/>
             </a:endParaRPr>
           </a:p>
         </p:txBody>
@@ -6705,19 +7255,38 @@
           <a:bodyPr rtlCol="0" anchor="t" anchorCtr="0"/>
           <a:lstStyle/>
           <a:p>
-            <a:r>
-              <a:rPr lang="en-IN" sz="1400" dirty="0" smtClean="0">
-                <a:solidFill>
-                  <a:schemeClr val="tx1"/>
-                </a:solidFill>
-              </a:rPr>
-              <a:t>&lt;&lt;Team Member&gt;&gt;</a:t>
-            </a:r>
             <a:endParaRPr lang="en-IN" sz="1400" dirty="0">
               <a:solidFill>
                 <a:schemeClr val="tx1"/>
               </a:solidFill>
             </a:endParaRPr>
+          </a:p>
+          <a:p>
+            <a:pPr algn="ctr"/>
+            <a:r>
+              <a:rPr lang="en-IN" sz="1400" dirty="0">
+                <a:solidFill>
+                  <a:schemeClr val="tx1"/>
+                </a:solidFill>
+              </a:rPr>
+              <a:t>N. </a:t>
+            </a:r>
+            <a:r>
+              <a:rPr lang="en-IN" sz="1400" dirty="0" err="1">
+                <a:solidFill>
+                  <a:schemeClr val="tx1"/>
+                </a:solidFill>
+              </a:rPr>
+              <a:t>Shanmukha</a:t>
+            </a:r>
+            <a:r>
+              <a:rPr lang="en-IN" sz="1400" dirty="0">
+                <a:solidFill>
+                  <a:schemeClr val="tx1"/>
+                </a:solidFill>
+              </a:rPr>
+              <a:t> Rama </a:t>
+            </a:r>
           </a:p>
         </p:txBody>
       </p:sp>
@@ -6762,18 +7331,136 @@
           <a:bodyPr rtlCol="0" anchor="t" anchorCtr="0"/>
           <a:lstStyle/>
           <a:p>
-            <a:r>
-              <a:rPr lang="en-IN" sz="1400" dirty="0" smtClean="0">
-                <a:solidFill>
-                  <a:schemeClr val="tx1"/>
-                </a:solidFill>
-              </a:rPr>
-              <a:t>&lt;&lt;Primary Role played in the project with all the details&gt;&gt;</a:t>
-            </a:r>
-            <a:endParaRPr lang="en-IN" sz="1400" dirty="0">
+            <a:pPr algn="just"/>
+            <a:r>
+              <a:rPr lang="en-US" sz="1300" b="1" i="1" dirty="0">
+                <a:solidFill>
+                  <a:schemeClr val="tx1"/>
+                </a:solidFill>
+                <a:latin typeface="Times New Roman" panose="02020603050405020304" pitchFamily="18" charset="0"/>
+                <a:cs typeface="Times New Roman" panose="02020603050405020304" pitchFamily="18" charset="0"/>
+              </a:rPr>
+              <a:t>Primary Role: </a:t>
+            </a:r>
+            <a:r>
+              <a:rPr lang="en-US" sz="1300" dirty="0">
+                <a:solidFill>
+                  <a:schemeClr val="tx1"/>
+                </a:solidFill>
+                <a:latin typeface="Times New Roman" panose="02020603050405020304" pitchFamily="18" charset="0"/>
+                <a:cs typeface="Times New Roman" panose="02020603050405020304" pitchFamily="18" charset="0"/>
+              </a:rPr>
+              <a:t>Doctor Management, User Management</a:t>
+            </a:r>
+          </a:p>
+          <a:p>
+            <a:pPr algn="just"/>
+            <a:r>
+              <a:rPr lang="en-US" sz="1300" b="1" i="1" dirty="0">
+                <a:solidFill>
+                  <a:schemeClr val="tx1"/>
+                </a:solidFill>
+                <a:latin typeface="Times New Roman" panose="02020603050405020304" pitchFamily="18" charset="0"/>
+                <a:cs typeface="Times New Roman" panose="02020603050405020304" pitchFamily="18" charset="0"/>
+              </a:rPr>
+              <a:t>Responsibilities</a:t>
+            </a:r>
+            <a:r>
+              <a:rPr lang="en-US" sz="1300" dirty="0">
+                <a:solidFill>
+                  <a:schemeClr val="tx1"/>
+                </a:solidFill>
+                <a:latin typeface="Times New Roman" panose="02020603050405020304" pitchFamily="18" charset="0"/>
+                <a:cs typeface="Times New Roman" panose="02020603050405020304" pitchFamily="18" charset="0"/>
+              </a:rPr>
+              <a:t>: Handles the controllers related to doctors, such as doctor registration. Implements services for doctor-related functionalities and interacts with the </a:t>
+            </a:r>
+            <a:r>
+              <a:rPr lang="en-US" sz="1300" dirty="0" err="1">
+                <a:solidFill>
+                  <a:schemeClr val="tx1"/>
+                </a:solidFill>
+                <a:latin typeface="Times New Roman" panose="02020603050405020304" pitchFamily="18" charset="0"/>
+                <a:cs typeface="Times New Roman" panose="02020603050405020304" pitchFamily="18" charset="0"/>
+              </a:rPr>
+              <a:t>DoctorDao</a:t>
+            </a:r>
+            <a:r>
+              <a:rPr lang="en-US" sz="1300" dirty="0">
+                <a:solidFill>
+                  <a:schemeClr val="tx1"/>
+                </a:solidFill>
+                <a:latin typeface="Times New Roman" panose="02020603050405020304" pitchFamily="18" charset="0"/>
+                <a:cs typeface="Times New Roman" panose="02020603050405020304" pitchFamily="18" charset="0"/>
+              </a:rPr>
+              <a:t> and </a:t>
+            </a:r>
+            <a:r>
+              <a:rPr lang="en-US" sz="1300" dirty="0" err="1">
+                <a:solidFill>
+                  <a:schemeClr val="tx1"/>
+                </a:solidFill>
+                <a:latin typeface="Times New Roman" panose="02020603050405020304" pitchFamily="18" charset="0"/>
+                <a:cs typeface="Times New Roman" panose="02020603050405020304" pitchFamily="18" charset="0"/>
+              </a:rPr>
+              <a:t>DocScheduleDao</a:t>
+            </a:r>
+            <a:r>
+              <a:rPr lang="en-US" sz="1300" dirty="0">
+                <a:solidFill>
+                  <a:schemeClr val="tx1"/>
+                </a:solidFill>
+                <a:latin typeface="Times New Roman" panose="02020603050405020304" pitchFamily="18" charset="0"/>
+                <a:cs typeface="Times New Roman" panose="02020603050405020304" pitchFamily="18" charset="0"/>
+              </a:rPr>
+              <a:t> for data access. Performs unit testing for the </a:t>
+            </a:r>
+            <a:r>
+              <a:rPr lang="en-US" sz="1300" dirty="0" err="1">
+                <a:solidFill>
+                  <a:schemeClr val="tx1"/>
+                </a:solidFill>
+                <a:latin typeface="Times New Roman" panose="02020603050405020304" pitchFamily="18" charset="0"/>
+                <a:cs typeface="Times New Roman" panose="02020603050405020304" pitchFamily="18" charset="0"/>
+              </a:rPr>
+              <a:t>DoctorService</a:t>
+            </a:r>
+            <a:r>
+              <a:rPr lang="en-US" sz="1300" dirty="0">
+                <a:solidFill>
+                  <a:schemeClr val="tx1"/>
+                </a:solidFill>
+                <a:latin typeface="Times New Roman" panose="02020603050405020304" pitchFamily="18" charset="0"/>
+                <a:cs typeface="Times New Roman" panose="02020603050405020304" pitchFamily="18" charset="0"/>
+              </a:rPr>
+              <a:t> and </a:t>
+            </a:r>
+            <a:r>
+              <a:rPr lang="en-US" sz="1300" dirty="0" err="1">
+                <a:solidFill>
+                  <a:schemeClr val="tx1"/>
+                </a:solidFill>
+                <a:latin typeface="Times New Roman" panose="02020603050405020304" pitchFamily="18" charset="0"/>
+                <a:cs typeface="Times New Roman" panose="02020603050405020304" pitchFamily="18" charset="0"/>
+              </a:rPr>
+              <a:t>RegistrationService</a:t>
+            </a:r>
+            <a:r>
+              <a:rPr lang="en-US" sz="1300" dirty="0">
+                <a:solidFill>
+                  <a:schemeClr val="tx1"/>
+                </a:solidFill>
+                <a:latin typeface="Times New Roman" panose="02020603050405020304" pitchFamily="18" charset="0"/>
+                <a:cs typeface="Times New Roman" panose="02020603050405020304" pitchFamily="18" charset="0"/>
+              </a:rPr>
+              <a:t>.</a:t>
+            </a:r>
+            <a:endParaRPr lang="en-IN" sz="1300" dirty="0">
               <a:solidFill>
                 <a:schemeClr val="tx1"/>
               </a:solidFill>
+              <a:latin typeface="Times New Roman" panose="02020603050405020304" pitchFamily="18" charset="0"/>
+              <a:cs typeface="Times New Roman" panose="02020603050405020304" pitchFamily="18" charset="0"/>
             </a:endParaRPr>
           </a:p>
         </p:txBody>
@@ -6807,26 +7494,13 @@
           <a:p>
             <a:pPr defTabSz="914400"/>
             <a:r>
-              <a:rPr lang="en-IN" sz="1800" b="1" kern="0" dirty="0" smtClean="0">
+              <a:rPr lang="en-IN" sz="1800" b="1" kern="0" dirty="0">
                 <a:solidFill>
                   <a:sysClr val="windowText" lastClr="000000"/>
                 </a:solidFill>
               </a:rPr>
-              <a:t>Project </a:t>
-            </a:r>
-            <a:r>
-              <a:rPr lang="en-IN" sz="1800" b="1" kern="0" dirty="0" smtClean="0">
-                <a:solidFill>
-                  <a:sysClr val="windowText" lastClr="000000"/>
-                </a:solidFill>
-              </a:rPr>
-              <a:t>Team – High level roles &amp; responsibilities</a:t>
-            </a:r>
-            <a:endParaRPr lang="en-IN" sz="1800" b="1" kern="0" dirty="0">
-              <a:solidFill>
-                <a:sysClr val="windowText" lastClr="000000"/>
-              </a:solidFill>
-            </a:endParaRPr>
+              <a:t>Project Team – High level roles &amp; responsibilities</a:t>
+            </a:r>
           </a:p>
         </p:txBody>
       </p:sp>
@@ -6863,8 +7537,8 @@
         </p:nvSpPr>
         <p:spPr>
           <a:xfrm>
-            <a:off x="261764" y="1268760"/>
-            <a:ext cx="11593288" cy="4896544"/>
+            <a:off x="380206" y="991394"/>
+            <a:ext cx="11593288" cy="5295900"/>
           </a:xfrm>
           <a:prstGeom prst="rect">
             <a:avLst/>
@@ -6907,7 +7581,7 @@
               </a:spcAft>
             </a:pPr>
             <a:r>
-              <a:rPr lang="en-IN" sz="1600" b="1" dirty="0" smtClean="0">
+              <a:rPr lang="en-IN" sz="1600" b="1" dirty="0">
                 <a:solidFill>
                   <a:schemeClr val="tx1"/>
                 </a:solidFill>
@@ -6915,12 +7589,6 @@
               </a:rPr>
               <a:t>Approach:</a:t>
             </a:r>
-            <a:endParaRPr lang="en-IN" sz="1600" b="1" dirty="0" smtClean="0">
-              <a:solidFill>
-                <a:schemeClr val="tx1"/>
-              </a:solidFill>
-              <a:latin typeface="+mj-lt"/>
-            </a:endParaRPr>
           </a:p>
           <a:p>
             <a:pPr algn="just" defTabSz="666750">
@@ -6934,6 +7602,17 @@
                 <a:spcPts val="300"/>
               </a:spcAft>
             </a:pPr>
+            <a:r>
+              <a:rPr lang="en-US" sz="1500" dirty="0">
+                <a:solidFill>
+                  <a:schemeClr val="tx1"/>
+                </a:solidFill>
+                <a:latin typeface="Times New Roman" panose="02020603050405020304" pitchFamily="18" charset="0"/>
+                <a:ea typeface="Times New Roman" panose="02020603050405020304"/>
+                <a:cs typeface="Times New Roman" panose="02020603050405020304" pitchFamily="18" charset="0"/>
+              </a:rPr>
+              <a:t>In the Hospital Appointment System project, we adopted a development approach that utilized Spring MVC and an ORM framework. With Spring MVC, we achieved a modular architecture by separating the application into model, view, and controller components. We utilized an ORM framework, such as Spring Data JPA or Hibernate, to simplify data access and management. The view component was implemented using JSP, enabling us to create dynamic and interactive user interfaces. By following the Model-View-Controller pattern, we ensured clear responsibilities and effective coordination between the model, view, and controller. This approach resulted in a scalable and maintainable system architecture, facilitating easy maintenance, future enhancements, and a seamless user experience.</a:t>
+            </a:r>
             <a:endParaRPr lang="en-IN" sz="1600" b="1" dirty="0">
               <a:solidFill>
                 <a:schemeClr val="tx1"/>
@@ -6955,13 +7634,11 @@
                 <a:spcPts val="300"/>
               </a:spcAft>
             </a:pPr>
-            <a:endParaRPr lang="en-IN" sz="1600" b="1" dirty="0" smtClean="0">
+            <a:endParaRPr lang="en-IN" sz="1600" b="1" dirty="0">
               <a:solidFill>
                 <a:schemeClr val="tx1"/>
               </a:solidFill>
               <a:latin typeface="+mj-lt"/>
-              <a:ea typeface="Times New Roman" panose="02020603050405020304"/>
-              <a:cs typeface="Open Sans"/>
             </a:endParaRPr>
           </a:p>
           <a:p>
@@ -6976,14 +7653,15 @@
                 <a:spcPts val="300"/>
               </a:spcAft>
             </a:pPr>
-            <a:endParaRPr lang="en-IN" sz="1600" b="1" dirty="0">
-              <a:solidFill>
-                <a:schemeClr val="tx1"/>
-              </a:solidFill>
-              <a:latin typeface="+mj-lt"/>
-              <a:ea typeface="Times New Roman" panose="02020603050405020304"/>
-              <a:cs typeface="Open Sans"/>
-            </a:endParaRPr>
+            <a:r>
+              <a:rPr lang="en-IN" sz="1600" b="1" dirty="0">
+                <a:solidFill>
+                  <a:schemeClr val="tx1"/>
+                </a:solidFill>
+                <a:latin typeface="+mj-lt"/>
+              </a:rPr>
+              <a:t>Modules:</a:t>
+            </a:r>
           </a:p>
           <a:p>
             <a:pPr algn="just" defTabSz="666750">
@@ -6997,7 +7675,7 @@
                 <a:spcPts val="300"/>
               </a:spcAft>
             </a:pPr>
-            <a:endParaRPr lang="en-IN" sz="1600" b="1" dirty="0" smtClean="0">
+            <a:endParaRPr lang="en-IN" sz="1600" b="1" dirty="0">
               <a:solidFill>
                 <a:schemeClr val="tx1"/>
               </a:solidFill>
@@ -7018,20 +7696,13 @@
                 <a:spcPts val="300"/>
               </a:spcAft>
             </a:pPr>
-            <a:r>
-              <a:rPr lang="en-IN" sz="1600" b="1" dirty="0" smtClean="0">
-                <a:solidFill>
-                  <a:schemeClr val="tx1"/>
-                </a:solidFill>
-                <a:latin typeface="+mj-lt"/>
-              </a:rPr>
-              <a:t>Modules:</a:t>
-            </a:r>
-            <a:endParaRPr lang="en-IN" sz="1600" b="1" dirty="0" smtClean="0">
+            <a:endParaRPr lang="en-IN" sz="1600" b="1" dirty="0">
               <a:solidFill>
                 <a:schemeClr val="tx1"/>
               </a:solidFill>
               <a:latin typeface="+mj-lt"/>
+              <a:ea typeface="Times New Roman" panose="02020603050405020304"/>
+              <a:cs typeface="Open Sans"/>
             </a:endParaRPr>
           </a:p>
           <a:p>
@@ -7046,14 +7717,17 @@
                 <a:spcPts val="300"/>
               </a:spcAft>
             </a:pPr>
-            <a:endParaRPr lang="en-IN" sz="1600" b="1" dirty="0" smtClean="0">
-              <a:solidFill>
-                <a:schemeClr val="tx1"/>
-              </a:solidFill>
-              <a:latin typeface="+mj-lt"/>
-              <a:ea typeface="Times New Roman" panose="02020603050405020304"/>
-              <a:cs typeface="Open Sans"/>
-            </a:endParaRPr>
+            <a:r>
+              <a:rPr lang="en-IN" sz="1600" b="1" dirty="0">
+                <a:solidFill>
+                  <a:schemeClr val="tx1"/>
+                </a:solidFill>
+                <a:latin typeface="+mj-lt"/>
+                <a:ea typeface="Times New Roman" panose="02020603050405020304"/>
+                <a:cs typeface="Open Sans"/>
+              </a:rPr>
+              <a:t>	</a:t>
+            </a:r>
           </a:p>
           <a:p>
             <a:pPr algn="just" defTabSz="666750">
@@ -7088,14 +7762,17 @@
                 <a:spcPts val="300"/>
               </a:spcAft>
             </a:pPr>
-            <a:endParaRPr lang="en-IN" sz="1600" b="1" dirty="0" smtClean="0">
-              <a:solidFill>
-                <a:schemeClr val="tx1"/>
-              </a:solidFill>
-              <a:latin typeface="+mj-lt"/>
-              <a:ea typeface="Times New Roman" panose="02020603050405020304"/>
-              <a:cs typeface="Open Sans"/>
-            </a:endParaRPr>
+            <a:r>
+              <a:rPr lang="en-IN" sz="1600" b="1" dirty="0">
+                <a:solidFill>
+                  <a:schemeClr val="tx1"/>
+                </a:solidFill>
+                <a:latin typeface="+mj-lt"/>
+                <a:ea typeface="Times New Roman" panose="02020603050405020304"/>
+                <a:cs typeface="Open Sans"/>
+              </a:rPr>
+              <a:t>			</a:t>
+            </a:r>
           </a:p>
           <a:p>
             <a:pPr algn="just" defTabSz="666750">
@@ -7109,59 +7786,6 @@
                 <a:spcPts val="300"/>
               </a:spcAft>
             </a:pPr>
-            <a:endParaRPr lang="en-IN" sz="1600" b="1" dirty="0" smtClean="0">
-              <a:solidFill>
-                <a:schemeClr val="tx1"/>
-              </a:solidFill>
-              <a:latin typeface="+mj-lt"/>
-              <a:ea typeface="Times New Roman" panose="02020603050405020304"/>
-              <a:cs typeface="Open Sans"/>
-            </a:endParaRPr>
-          </a:p>
-          <a:p>
-            <a:pPr algn="just" defTabSz="666750">
-              <a:lnSpc>
-                <a:spcPct val="114000"/>
-              </a:lnSpc>
-              <a:spcBef>
-                <a:spcPct val="0"/>
-              </a:spcBef>
-              <a:spcAft>
-                <a:spcPts val="300"/>
-              </a:spcAft>
-            </a:pPr>
-            <a:endParaRPr lang="en-IN" sz="1600" b="1" dirty="0" smtClean="0">
-              <a:solidFill>
-                <a:schemeClr val="tx1"/>
-              </a:solidFill>
-              <a:latin typeface="+mj-lt"/>
-              <a:ea typeface="Times New Roman" panose="02020603050405020304"/>
-              <a:cs typeface="Open Sans"/>
-            </a:endParaRPr>
-          </a:p>
-          <a:p>
-            <a:pPr algn="just" defTabSz="666750">
-              <a:lnSpc>
-                <a:spcPct val="114000"/>
-              </a:lnSpc>
-              <a:spcBef>
-                <a:spcPct val="0"/>
-              </a:spcBef>
-              <a:spcAft>
-                <a:spcPts val="300"/>
-              </a:spcAft>
-            </a:pPr>
-            <a:r>
-              <a:rPr lang="en-IN" sz="1600" b="1" dirty="0" smtClean="0">
-                <a:solidFill>
-                  <a:schemeClr val="tx1"/>
-                </a:solidFill>
-                <a:latin typeface="+mj-lt"/>
-                <a:ea typeface="Times New Roman" panose="02020603050405020304"/>
-                <a:cs typeface="Open Sans"/>
-              </a:rPr>
-              <a:t>Phases:</a:t>
-            </a:r>
             <a:endParaRPr lang="en-IN" sz="1600" b="1" dirty="0">
               <a:solidFill>
                 <a:schemeClr val="tx1"/>
@@ -7171,38 +7795,23 @@
               <a:cs typeface="Open Sans"/>
             </a:endParaRPr>
           </a:p>
-          <a:p>
-            <a:pPr algn="just" defTabSz="666750">
-              <a:lnSpc>
-                <a:spcPct val="114000"/>
-              </a:lnSpc>
-              <a:spcBef>
-                <a:spcPct val="0"/>
-              </a:spcBef>
-              <a:spcAft>
-                <a:spcPts val="300"/>
-              </a:spcAft>
-            </a:pPr>
-            <a:endParaRPr lang="en-IN" sz="1600" b="1" dirty="0" smtClean="0">
-              <a:solidFill>
-                <a:schemeClr val="tx1"/>
-              </a:solidFill>
-              <a:latin typeface="+mj-lt"/>
-              <a:ea typeface="Times New Roman" panose="02020603050405020304"/>
-              <a:cs typeface="Open Sans"/>
-            </a:endParaRPr>
-          </a:p>
         </p:txBody>
       </p:sp>
       <p:graphicFrame>
         <p:nvGraphicFramePr>
           <p:cNvPr id="5" name="Table 4"/>
           <p:cNvGraphicFramePr/>
-          <p:nvPr/>
+          <p:nvPr>
+            <p:extLst>
+              <p:ext uri="{D42A27DB-BD31-4B8C-83A1-F6EECF244321}">
+                <p14:modId xmlns:p14="http://schemas.microsoft.com/office/powerpoint/2010/main" val="2363194769"/>
+              </p:ext>
+            </p:extLst>
+          </p:nvPr>
         </p:nvGraphicFramePr>
         <p:xfrm>
-          <a:off x="651510" y="3338195"/>
-          <a:ext cx="10887075" cy="1828800"/>
+          <a:off x="532606" y="3810794"/>
+          <a:ext cx="10887075" cy="2285447"/>
         </p:xfrm>
         <a:graphic>
           <a:graphicData uri="http://schemas.openxmlformats.org/drawingml/2006/table">
@@ -7211,31 +7820,45 @@
                 <a:tableStyleId>{125E5076-3810-47DD-B79F-674D7AD40C01}</a:tableStyleId>
               </a:tblPr>
               <a:tblGrid>
-                <a:gridCol w="556895"/>
-                <a:gridCol w="3163570"/>
-                <a:gridCol w="7166610"/>
+                <a:gridCol w="556895">
+                  <a:extLst>
+                    <a:ext uri="{9D8B030D-6E8A-4147-A177-3AD203B41FA5}">
+                      <a16:colId xmlns:a16="http://schemas.microsoft.com/office/drawing/2014/main" val="20000"/>
+                    </a:ext>
+                  </a:extLst>
+                </a:gridCol>
+                <a:gridCol w="3163570">
+                  <a:extLst>
+                    <a:ext uri="{9D8B030D-6E8A-4147-A177-3AD203B41FA5}">
+                      <a16:colId xmlns:a16="http://schemas.microsoft.com/office/drawing/2014/main" val="20001"/>
+                    </a:ext>
+                  </a:extLst>
+                </a:gridCol>
+                <a:gridCol w="7166610">
+                  <a:extLst>
+                    <a:ext uri="{9D8B030D-6E8A-4147-A177-3AD203B41FA5}">
+                      <a16:colId xmlns:a16="http://schemas.microsoft.com/office/drawing/2014/main" val="20002"/>
+                    </a:ext>
+                  </a:extLst>
+                </a:gridCol>
               </a:tblGrid>
-              <a:tr h="274320">
+              <a:tr h="340671">
                 <a:tc>
                   <a:txBody>
                     <a:bodyPr/>
+                    <a:lstStyle/>
                     <a:p>
                       <a:pPr>
                         <a:buNone/>
                       </a:pPr>
                       <a:r>
-                        <a:rPr lang="en-IN" altLang="en-US" sz="1200" b="1">
+                        <a:rPr lang="en-IN" altLang="en-US" sz="1400" b="1" dirty="0">
                           <a:solidFill>
                             <a:schemeClr val="tx1"/>
                           </a:solidFill>
                         </a:rPr>
                         <a:t>S.NO</a:t>
                       </a:r>
-                      <a:endParaRPr lang="en-IN" altLang="en-US" sz="1200" b="1">
-                        <a:solidFill>
-                          <a:schemeClr val="tx1"/>
-                        </a:solidFill>
-                      </a:endParaRPr>
                     </a:p>
                   </a:txBody>
                   <a:tcPr>
@@ -7271,23 +7894,19 @@
                 <a:tc>
                   <a:txBody>
                     <a:bodyPr/>
+                    <a:lstStyle/>
                     <a:p>
                       <a:pPr>
                         <a:buNone/>
                       </a:pPr>
                       <a:r>
-                        <a:rPr lang="en-IN" altLang="en-US" sz="1200" b="1">
+                        <a:rPr lang="en-IN" altLang="en-US" sz="1400" b="1" dirty="0">
                           <a:solidFill>
                             <a:schemeClr val="tx1"/>
                           </a:solidFill>
                         </a:rPr>
                         <a:t>Module Name</a:t>
                       </a:r>
-                      <a:endParaRPr lang="en-IN" altLang="en-US" sz="1200" b="1">
-                        <a:solidFill>
-                          <a:schemeClr val="tx1"/>
-                        </a:solidFill>
-                      </a:endParaRPr>
                     </a:p>
                   </a:txBody>
                   <a:tcPr>
@@ -7323,23 +7942,19 @@
                 <a:tc>
                   <a:txBody>
                     <a:bodyPr/>
+                    <a:lstStyle/>
                     <a:p>
                       <a:pPr>
                         <a:buNone/>
                       </a:pPr>
                       <a:r>
-                        <a:rPr lang="en-IN" altLang="en-US" sz="1200">
+                        <a:rPr lang="en-IN" altLang="en-US" sz="1400" dirty="0">
                           <a:solidFill>
                             <a:schemeClr val="tx1"/>
                           </a:solidFill>
                         </a:rPr>
                         <a:t>Description</a:t>
                       </a:r>
-                      <a:endParaRPr lang="en-IN" altLang="en-US" sz="1200">
-                        <a:solidFill>
-                          <a:schemeClr val="tx1"/>
-                        </a:solidFill>
-                      </a:endParaRPr>
                     </a:p>
                   </a:txBody>
                   <a:tcPr>
@@ -7372,28 +7987,29 @@
                     </a:solidFill>
                   </a:tcPr>
                 </a:tc>
+                <a:extLst>
+                  <a:ext uri="{0D108BD9-81ED-4DB2-BD59-A6C34878D82A}">
+                    <a16:rowId xmlns:a16="http://schemas.microsoft.com/office/drawing/2014/main" val="10000"/>
+                  </a:ext>
+                </a:extLst>
               </a:tr>
-              <a:tr h="274320">
+              <a:tr h="340671">
                 <a:tc>
                   <a:txBody>
                     <a:bodyPr/>
+                    <a:lstStyle/>
                     <a:p>
                       <a:pPr>
                         <a:buNone/>
                       </a:pPr>
                       <a:r>
-                        <a:rPr lang="en-IN" altLang="en-US" sz="1200">
+                        <a:rPr lang="en-IN" altLang="en-US" sz="1400">
                           <a:solidFill>
                             <a:schemeClr val="tx1"/>
                           </a:solidFill>
                         </a:rPr>
                         <a:t>1</a:t>
                       </a:r>
-                      <a:endParaRPr lang="en-IN" altLang="en-US" sz="1200">
-                        <a:solidFill>
-                          <a:schemeClr val="tx1"/>
-                        </a:solidFill>
-                      </a:endParaRPr>
                     </a:p>
                   </a:txBody>
                   <a:tcPr>
@@ -7429,12 +8045,13 @@
                 <a:tc>
                   <a:txBody>
                     <a:bodyPr/>
+                    <a:lstStyle/>
                     <a:p>
                       <a:pPr>
                         <a:buNone/>
                       </a:pPr>
                       <a:r>
-                        <a:rPr lang="en-IN" sz="1200" i="1" dirty="0">
+                        <a:rPr lang="en-IN" sz="1400" i="1" dirty="0">
                           <a:solidFill>
                             <a:schemeClr val="tx1"/>
                           </a:solidFill>
@@ -7445,15 +8062,6 @@
                         </a:rPr>
                         <a:t>User Management</a:t>
                       </a:r>
-                      <a:endParaRPr lang="en-IN" sz="1200" i="1" dirty="0">
-                        <a:solidFill>
-                          <a:schemeClr val="tx1"/>
-                        </a:solidFill>
-                        <a:latin typeface="+mj-lt"/>
-                        <a:ea typeface="Times New Roman" panose="02020603050405020304"/>
-                        <a:cs typeface="Open Sans"/>
-                        <a:sym typeface="+mn-ea"/>
-                      </a:endParaRPr>
                     </a:p>
                   </a:txBody>
                   <a:tcPr>
@@ -7489,12 +8097,13 @@
                 <a:tc>
                   <a:txBody>
                     <a:bodyPr/>
+                    <a:lstStyle/>
                     <a:p>
                       <a:pPr>
                         <a:buNone/>
                       </a:pPr>
                       <a:r>
-                        <a:rPr lang="en-IN" sz="1200" b="0" dirty="0">
+                        <a:rPr lang="en-IN" sz="1400" b="0" dirty="0">
                           <a:solidFill>
                             <a:schemeClr val="tx1"/>
                           </a:solidFill>
@@ -7505,15 +8114,6 @@
                         </a:rPr>
                         <a:t>Handles user registration, authentication, password management, and account recovery.</a:t>
                       </a:r>
-                      <a:endParaRPr lang="en-IN" sz="1200" b="0" dirty="0">
-                        <a:solidFill>
-                          <a:schemeClr val="tx1"/>
-                        </a:solidFill>
-                        <a:latin typeface="+mj-lt"/>
-                        <a:ea typeface="Times New Roman" panose="02020603050405020304"/>
-                        <a:cs typeface="Open Sans"/>
-                        <a:sym typeface="+mn-ea"/>
-                      </a:endParaRPr>
                     </a:p>
                   </a:txBody>
                   <a:tcPr>
@@ -7546,28 +8146,29 @@
                     </a:solidFill>
                   </a:tcPr>
                 </a:tc>
+                <a:extLst>
+                  <a:ext uri="{0D108BD9-81ED-4DB2-BD59-A6C34878D82A}">
+                    <a16:rowId xmlns:a16="http://schemas.microsoft.com/office/drawing/2014/main" val="10001"/>
+                  </a:ext>
+                </a:extLst>
               </a:tr>
-              <a:tr h="423545">
+              <a:tr h="567785">
                 <a:tc>
                   <a:txBody>
                     <a:bodyPr/>
+                    <a:lstStyle/>
                     <a:p>
                       <a:pPr>
                         <a:buNone/>
                       </a:pPr>
                       <a:r>
-                        <a:rPr lang="en-IN" altLang="en-US" sz="1200">
+                        <a:rPr lang="en-IN" altLang="en-US" sz="1400">
                           <a:solidFill>
                             <a:schemeClr val="tx1"/>
                           </a:solidFill>
                         </a:rPr>
                         <a:t>2</a:t>
                       </a:r>
-                      <a:endParaRPr lang="en-IN" altLang="en-US" sz="1200">
-                        <a:solidFill>
-                          <a:schemeClr val="tx1"/>
-                        </a:solidFill>
-                      </a:endParaRPr>
                     </a:p>
                   </a:txBody>
                   <a:tcPr>
@@ -7603,12 +8204,13 @@
                 <a:tc>
                   <a:txBody>
                     <a:bodyPr/>
+                    <a:lstStyle/>
                     <a:p>
                       <a:pPr>
                         <a:buNone/>
                       </a:pPr>
                       <a:r>
-                        <a:rPr lang="en-IN" sz="1200" i="1" dirty="0">
+                        <a:rPr lang="en-IN" sz="1400" i="1" dirty="0">
                           <a:solidFill>
                             <a:schemeClr val="tx1"/>
                           </a:solidFill>
@@ -7619,15 +8221,6 @@
                         </a:rPr>
                         <a:t>Admin Dashboard</a:t>
                       </a:r>
-                      <a:endParaRPr lang="en-IN" sz="1200" i="1" dirty="0">
-                        <a:solidFill>
-                          <a:schemeClr val="tx1"/>
-                        </a:solidFill>
-                        <a:latin typeface="+mj-lt"/>
-                        <a:ea typeface="Times New Roman" panose="02020603050405020304"/>
-                        <a:cs typeface="Open Sans"/>
-                        <a:sym typeface="+mn-ea"/>
-                      </a:endParaRPr>
                     </a:p>
                   </a:txBody>
                   <a:tcPr>
@@ -7663,12 +8256,13 @@
                 <a:tc>
                   <a:txBody>
                     <a:bodyPr/>
+                    <a:lstStyle/>
                     <a:p>
                       <a:pPr>
                         <a:buNone/>
                       </a:pPr>
                       <a:r>
-                        <a:rPr lang="en-IN" sz="1200" b="0" dirty="0">
+                        <a:rPr lang="en-IN" sz="1400" b="0" dirty="0">
                           <a:solidFill>
                             <a:schemeClr val="tx1"/>
                           </a:solidFill>
@@ -7679,15 +8273,6 @@
                         </a:rPr>
                         <a:t>Provides summary statistics, manages master entries, appointments, patient profiles, and payments for admin users</a:t>
                       </a:r>
-                      <a:endParaRPr lang="en-IN" sz="1200" b="0" dirty="0">
-                        <a:solidFill>
-                          <a:schemeClr val="tx1"/>
-                        </a:solidFill>
-                        <a:latin typeface="+mj-lt"/>
-                        <a:ea typeface="Times New Roman" panose="02020603050405020304"/>
-                        <a:cs typeface="Open Sans"/>
-                        <a:sym typeface="+mn-ea"/>
-                      </a:endParaRPr>
                     </a:p>
                   </a:txBody>
                   <a:tcPr>
@@ -7720,28 +8305,29 @@
                     </a:solidFill>
                   </a:tcPr>
                 </a:tc>
+                <a:extLst>
+                  <a:ext uri="{0D108BD9-81ED-4DB2-BD59-A6C34878D82A}">
+                    <a16:rowId xmlns:a16="http://schemas.microsoft.com/office/drawing/2014/main" val="10002"/>
+                  </a:ext>
+                </a:extLst>
               </a:tr>
-              <a:tr h="274320">
+              <a:tr h="480336">
                 <a:tc>
                   <a:txBody>
                     <a:bodyPr/>
+                    <a:lstStyle/>
                     <a:p>
                       <a:pPr>
                         <a:buNone/>
                       </a:pPr>
                       <a:r>
-                        <a:rPr lang="en-IN" altLang="en-US" sz="1200">
+                        <a:rPr lang="en-IN" altLang="en-US" sz="1400">
                           <a:solidFill>
                             <a:schemeClr val="tx1"/>
                           </a:solidFill>
                         </a:rPr>
                         <a:t>3</a:t>
                       </a:r>
-                      <a:endParaRPr lang="en-IN" altLang="en-US" sz="1200">
-                        <a:solidFill>
-                          <a:schemeClr val="tx1"/>
-                        </a:solidFill>
-                      </a:endParaRPr>
                     </a:p>
                   </a:txBody>
                   <a:tcPr>
@@ -7777,12 +8363,13 @@
                 <a:tc>
                   <a:txBody>
                     <a:bodyPr/>
+                    <a:lstStyle/>
                     <a:p>
                       <a:pPr algn="just">
                         <a:buNone/>
                       </a:pPr>
                       <a:r>
-                        <a:rPr lang="en-IN" sz="1200" i="1" dirty="0">
+                        <a:rPr lang="en-IN" sz="1400" i="1" dirty="0">
                           <a:solidFill>
                             <a:schemeClr val="tx1"/>
                           </a:solidFill>
@@ -7793,15 +8380,6 @@
                         </a:rPr>
                         <a:t>Diagnostic Center User Dashboard</a:t>
                       </a:r>
-                      <a:endParaRPr lang="en-IN" sz="1200" i="1" dirty="0">
-                        <a:solidFill>
-                          <a:schemeClr val="tx1"/>
-                        </a:solidFill>
-                        <a:latin typeface="+mj-lt"/>
-                        <a:ea typeface="Times New Roman" panose="02020603050405020304"/>
-                        <a:cs typeface="Open Sans"/>
-                        <a:sym typeface="+mn-ea"/>
-                      </a:endParaRPr>
                     </a:p>
                   </a:txBody>
                   <a:tcPr>
@@ -7837,23 +8415,19 @@
                 <a:tc>
                   <a:txBody>
                     <a:bodyPr/>
+                    <a:lstStyle/>
                     <a:p>
                       <a:pPr>
                         <a:buNone/>
                       </a:pPr>
                       <a:r>
-                        <a:rPr lang="en-US" sz="1200" b="0">
+                        <a:rPr lang="en-US" sz="1400" b="0" dirty="0">
                           <a:solidFill>
                             <a:schemeClr val="tx1"/>
                           </a:solidFill>
                         </a:rPr>
                         <a:t>Allows diagnostic center users to manage test categories, tests, generate bills, and upload test reports</a:t>
                       </a:r>
-                      <a:endParaRPr lang="en-US" sz="1200" b="0">
-                        <a:solidFill>
-                          <a:schemeClr val="tx1"/>
-                        </a:solidFill>
-                      </a:endParaRPr>
                     </a:p>
                   </a:txBody>
                   <a:tcPr>
@@ -7886,28 +8460,29 @@
                     </a:solidFill>
                   </a:tcPr>
                 </a:tc>
+                <a:extLst>
+                  <a:ext uri="{0D108BD9-81ED-4DB2-BD59-A6C34878D82A}">
+                    <a16:rowId xmlns:a16="http://schemas.microsoft.com/office/drawing/2014/main" val="10003"/>
+                  </a:ext>
+                </a:extLst>
               </a:tr>
-              <a:tr h="274320">
+              <a:tr h="480336">
                 <a:tc>
                   <a:txBody>
                     <a:bodyPr/>
+                    <a:lstStyle/>
                     <a:p>
                       <a:pPr>
                         <a:buNone/>
                       </a:pPr>
                       <a:r>
-                        <a:rPr lang="en-IN" altLang="en-US" sz="1200">
+                        <a:rPr lang="en-IN" altLang="en-US" sz="1400" dirty="0">
                           <a:solidFill>
                             <a:schemeClr val="tx1"/>
                           </a:solidFill>
                         </a:rPr>
                         <a:t>4</a:t>
                       </a:r>
-                      <a:endParaRPr lang="en-IN" altLang="en-US" sz="1200">
-                        <a:solidFill>
-                          <a:schemeClr val="tx1"/>
-                        </a:solidFill>
-                      </a:endParaRPr>
                     </a:p>
                   </a:txBody>
                   <a:tcPr>
@@ -7943,12 +8518,13 @@
                 <a:tc>
                   <a:txBody>
                     <a:bodyPr/>
+                    <a:lstStyle/>
                     <a:p>
                       <a:pPr>
                         <a:buNone/>
                       </a:pPr>
                       <a:r>
-                        <a:rPr lang="en-IN" sz="1200" i="1" dirty="0">
+                        <a:rPr lang="en-IN" sz="1400" i="1" dirty="0">
                           <a:solidFill>
                             <a:schemeClr val="tx1"/>
                           </a:solidFill>
@@ -7959,15 +8535,6 @@
                         </a:rPr>
                         <a:t>Patient Dashboard</a:t>
                       </a:r>
-                      <a:endParaRPr lang="en-IN" sz="1200" i="1" dirty="0">
-                        <a:solidFill>
-                          <a:schemeClr val="tx1"/>
-                        </a:solidFill>
-                        <a:latin typeface="+mj-lt"/>
-                        <a:ea typeface="Times New Roman" panose="02020603050405020304"/>
-                        <a:cs typeface="Open Sans"/>
-                        <a:sym typeface="+mn-ea"/>
-                      </a:endParaRPr>
                     </a:p>
                   </a:txBody>
                   <a:tcPr>
@@ -8003,23 +8570,19 @@
                 <a:tc>
                   <a:txBody>
                     <a:bodyPr/>
+                    <a:lstStyle/>
                     <a:p>
                       <a:pPr>
                         <a:buNone/>
                       </a:pPr>
                       <a:r>
-                        <a:rPr lang="en-US" sz="1200" b="0">
+                        <a:rPr lang="en-US" sz="1400" b="0" dirty="0">
                           <a:solidFill>
                             <a:schemeClr val="tx1"/>
                           </a:solidFill>
                         </a:rPr>
                         <a:t> Enables patients to view, book, and reschedule appointments, access profiles, and manage family members.</a:t>
                       </a:r>
-                      <a:endParaRPr lang="en-US" sz="1200" b="0">
-                        <a:solidFill>
-                          <a:schemeClr val="tx1"/>
-                        </a:solidFill>
-                      </a:endParaRPr>
                     </a:p>
                   </a:txBody>
                   <a:tcPr>
@@ -8052,6 +8615,11 @@
                     </a:solidFill>
                   </a:tcPr>
                 </a:tc>
+                <a:extLst>
+                  <a:ext uri="{0D108BD9-81ED-4DB2-BD59-A6C34878D82A}">
+                    <a16:rowId xmlns:a16="http://schemas.microsoft.com/office/drawing/2014/main" val="10004"/>
+                  </a:ext>
+                </a:extLst>
               </a:tr>
             </a:tbl>
           </a:graphicData>
@@ -8086,18 +8654,13 @@
           <a:p>
             <a:pPr defTabSz="914400"/>
             <a:r>
-              <a:rPr lang="en-IN" sz="1800" b="1" kern="0" dirty="0" smtClean="0">
+              <a:rPr lang="en-IN" sz="1800" b="1" kern="0" dirty="0">
                 <a:solidFill>
                   <a:sysClr val="windowText" lastClr="000000"/>
                 </a:solidFill>
               </a:rPr>
               <a:t>Project Approach</a:t>
             </a:r>
-            <a:endParaRPr lang="en-IN" sz="1800" b="1" kern="0" dirty="0">
-              <a:solidFill>
-                <a:sysClr val="windowText" lastClr="000000"/>
-              </a:solidFill>
-            </a:endParaRPr>
           </a:p>
         </p:txBody>
       </p:sp>
@@ -8134,8 +8697,8 @@
         </p:nvSpPr>
         <p:spPr>
           <a:xfrm>
-            <a:off x="261764" y="1268760"/>
-            <a:ext cx="11593288" cy="4896544"/>
+            <a:off x="585053" y="686594"/>
+            <a:ext cx="10539353" cy="5638800"/>
           </a:xfrm>
           <a:prstGeom prst="rect">
             <a:avLst/>
@@ -8178,20 +8741,224 @@
               </a:spcAft>
             </a:pPr>
             <a:r>
-              <a:rPr lang="en-IN" sz="1600" b="1" dirty="0" smtClean="0">
-                <a:solidFill>
-                  <a:schemeClr val="tx1"/>
-                </a:solidFill>
-                <a:latin typeface="+mj-lt"/>
-              </a:rPr>
-              <a:t>Planning - Tasks &amp; Task Allocation</a:t>
-            </a:r>
-            <a:endParaRPr lang="en-IN" sz="1600" b="1" dirty="0" smtClean="0">
-              <a:solidFill>
-                <a:schemeClr val="tx1"/>
-              </a:solidFill>
-              <a:latin typeface="+mj-lt"/>
-            </a:endParaRPr>
+              <a:rPr lang="en-IN" sz="1800" b="1" dirty="0">
+                <a:solidFill>
+                  <a:schemeClr val="tx1"/>
+                </a:solidFill>
+                <a:latin typeface="+mj-lt"/>
+                <a:ea typeface="Times New Roman" panose="02020603050405020304"/>
+                <a:cs typeface="Open Sans"/>
+              </a:rPr>
+              <a:t>Phases:</a:t>
+            </a:r>
+          </a:p>
+          <a:p>
+            <a:pPr marL="285750" indent="-285750" algn="just" defTabSz="666750">
+              <a:lnSpc>
+                <a:spcPct val="114000"/>
+              </a:lnSpc>
+              <a:spcBef>
+                <a:spcPct val="0"/>
+              </a:spcBef>
+              <a:spcAft>
+                <a:spcPts val="300"/>
+              </a:spcAft>
+              <a:buFont typeface="Arial" pitchFamily="34" charset="0"/>
+              <a:buChar char="•"/>
+            </a:pPr>
+            <a:r>
+              <a:rPr lang="en-IN" sz="1600" dirty="0">
+                <a:solidFill>
+                  <a:schemeClr val="tx1"/>
+                </a:solidFill>
+                <a:latin typeface="Times New Roman" pitchFamily="18" charset="0"/>
+                <a:ea typeface="Times New Roman" panose="02020603050405020304"/>
+                <a:cs typeface="Times New Roman" pitchFamily="18" charset="0"/>
+              </a:rPr>
+              <a:t>Analysis of Statement </a:t>
+            </a:r>
+          </a:p>
+          <a:p>
+            <a:pPr marL="285750" indent="-285750" algn="just" defTabSz="666750">
+              <a:lnSpc>
+                <a:spcPct val="114000"/>
+              </a:lnSpc>
+              <a:spcBef>
+                <a:spcPct val="0"/>
+              </a:spcBef>
+              <a:spcAft>
+                <a:spcPts val="300"/>
+              </a:spcAft>
+              <a:buFont typeface="Arial" pitchFamily="34" charset="0"/>
+              <a:buChar char="•"/>
+            </a:pPr>
+            <a:r>
+              <a:rPr lang="en-IN" sz="1600" dirty="0">
+                <a:solidFill>
+                  <a:schemeClr val="tx1"/>
+                </a:solidFill>
+                <a:latin typeface="Times New Roman" pitchFamily="18" charset="0"/>
+                <a:ea typeface="Times New Roman" panose="02020603050405020304"/>
+                <a:cs typeface="Times New Roman" pitchFamily="18" charset="0"/>
+              </a:rPr>
+              <a:t>Understanding Functionalities </a:t>
+            </a:r>
+          </a:p>
+          <a:p>
+            <a:pPr marL="285750" indent="-285750" algn="just" defTabSz="666750">
+              <a:lnSpc>
+                <a:spcPct val="114000"/>
+              </a:lnSpc>
+              <a:spcBef>
+                <a:spcPct val="0"/>
+              </a:spcBef>
+              <a:spcAft>
+                <a:spcPts val="300"/>
+              </a:spcAft>
+              <a:buFont typeface="Arial" pitchFamily="34" charset="0"/>
+              <a:buChar char="•"/>
+            </a:pPr>
+            <a:r>
+              <a:rPr lang="en-IN" sz="1600" dirty="0">
+                <a:solidFill>
+                  <a:schemeClr val="tx1"/>
+                </a:solidFill>
+                <a:latin typeface="Times New Roman" pitchFamily="18" charset="0"/>
+                <a:ea typeface="Times New Roman" panose="02020603050405020304"/>
+                <a:cs typeface="Times New Roman" pitchFamily="18" charset="0"/>
+              </a:rPr>
+              <a:t>Understanding and Creating Database</a:t>
+            </a:r>
+          </a:p>
+          <a:p>
+            <a:pPr marL="285750" indent="-285750" algn="just" defTabSz="666750">
+              <a:lnSpc>
+                <a:spcPct val="114000"/>
+              </a:lnSpc>
+              <a:spcBef>
+                <a:spcPct val="0"/>
+              </a:spcBef>
+              <a:spcAft>
+                <a:spcPts val="300"/>
+              </a:spcAft>
+              <a:buFont typeface="Arial" pitchFamily="34" charset="0"/>
+              <a:buChar char="•"/>
+            </a:pPr>
+            <a:r>
+              <a:rPr lang="en-IN" sz="1600" dirty="0">
+                <a:solidFill>
+                  <a:schemeClr val="tx1"/>
+                </a:solidFill>
+                <a:latin typeface="Times New Roman" pitchFamily="18" charset="0"/>
+                <a:ea typeface="Times New Roman" panose="02020603050405020304"/>
+                <a:cs typeface="Times New Roman" pitchFamily="18" charset="0"/>
+              </a:rPr>
+              <a:t>Designing wireframes and pages</a:t>
+            </a:r>
+          </a:p>
+          <a:p>
+            <a:pPr marL="285750" indent="-285750" algn="just" defTabSz="666750">
+              <a:lnSpc>
+                <a:spcPct val="114000"/>
+              </a:lnSpc>
+              <a:spcBef>
+                <a:spcPct val="0"/>
+              </a:spcBef>
+              <a:spcAft>
+                <a:spcPts val="300"/>
+              </a:spcAft>
+              <a:buFont typeface="Arial" pitchFamily="34" charset="0"/>
+              <a:buChar char="•"/>
+            </a:pPr>
+            <a:r>
+              <a:rPr lang="en-IN" sz="1600" dirty="0">
+                <a:solidFill>
+                  <a:schemeClr val="tx1"/>
+                </a:solidFill>
+                <a:latin typeface="Times New Roman" pitchFamily="18" charset="0"/>
+                <a:ea typeface="Times New Roman" panose="02020603050405020304"/>
+                <a:cs typeface="Times New Roman" pitchFamily="18" charset="0"/>
+              </a:rPr>
+              <a:t>Identifying controllers</a:t>
+            </a:r>
+          </a:p>
+          <a:p>
+            <a:pPr marL="285750" indent="-285750" algn="just" defTabSz="666750">
+              <a:lnSpc>
+                <a:spcPct val="114000"/>
+              </a:lnSpc>
+              <a:spcBef>
+                <a:spcPct val="0"/>
+              </a:spcBef>
+              <a:spcAft>
+                <a:spcPts val="300"/>
+              </a:spcAft>
+              <a:buFont typeface="Arial" pitchFamily="34" charset="0"/>
+              <a:buChar char="•"/>
+            </a:pPr>
+            <a:r>
+              <a:rPr lang="en-IN" sz="1600" dirty="0">
+                <a:solidFill>
+                  <a:schemeClr val="tx1"/>
+                </a:solidFill>
+                <a:latin typeface="Times New Roman" pitchFamily="18" charset="0"/>
+                <a:ea typeface="Times New Roman" panose="02020603050405020304"/>
+                <a:cs typeface="Times New Roman" pitchFamily="18" charset="0"/>
+              </a:rPr>
+              <a:t>Division of controllers and modules</a:t>
+            </a:r>
+          </a:p>
+          <a:p>
+            <a:pPr marL="285750" indent="-285750" algn="just" defTabSz="666750">
+              <a:lnSpc>
+                <a:spcPct val="114000"/>
+              </a:lnSpc>
+              <a:spcBef>
+                <a:spcPct val="0"/>
+              </a:spcBef>
+              <a:spcAft>
+                <a:spcPts val="300"/>
+              </a:spcAft>
+              <a:buFont typeface="Arial" pitchFamily="34" charset="0"/>
+              <a:buChar char="•"/>
+            </a:pPr>
+            <a:r>
+              <a:rPr lang="en-IN" sz="1600" dirty="0">
+                <a:solidFill>
+                  <a:schemeClr val="tx1"/>
+                </a:solidFill>
+                <a:latin typeface="Times New Roman" pitchFamily="18" charset="0"/>
+                <a:ea typeface="Times New Roman" panose="02020603050405020304"/>
+                <a:cs typeface="Times New Roman" pitchFamily="18" charset="0"/>
+              </a:rPr>
+              <a:t>Integration of  work</a:t>
+            </a:r>
+          </a:p>
+          <a:p>
+            <a:pPr marL="285750" indent="-285750" algn="just" defTabSz="666750">
+              <a:lnSpc>
+                <a:spcPct val="114000"/>
+              </a:lnSpc>
+              <a:spcBef>
+                <a:spcPct val="0"/>
+              </a:spcBef>
+              <a:spcAft>
+                <a:spcPts val="300"/>
+              </a:spcAft>
+              <a:buFont typeface="Arial" pitchFamily="34" charset="0"/>
+              <a:buChar char="•"/>
+            </a:pPr>
+            <a:r>
+              <a:rPr lang="en-IN" sz="1600" dirty="0">
+                <a:solidFill>
+                  <a:schemeClr val="tx1"/>
+                </a:solidFill>
+                <a:latin typeface="Times New Roman" pitchFamily="18" charset="0"/>
+                <a:ea typeface="Times New Roman" panose="02020603050405020304"/>
+                <a:cs typeface="Times New Roman" pitchFamily="18" charset="0"/>
+              </a:rPr>
+              <a:t>Unit Testing &amp; Logging</a:t>
+            </a:r>
           </a:p>
           <a:p>
             <a:pPr algn="just" defTabSz="666750">
@@ -8205,14 +8972,15 @@
                 <a:spcPts val="300"/>
               </a:spcAft>
             </a:pPr>
-            <a:endParaRPr lang="en-IN" sz="1600" b="1" dirty="0">
-              <a:solidFill>
-                <a:schemeClr val="tx1"/>
-              </a:solidFill>
-              <a:latin typeface="+mj-lt"/>
-              <a:ea typeface="Times New Roman" panose="02020603050405020304"/>
-              <a:cs typeface="Open Sans"/>
-            </a:endParaRPr>
+            <a:r>
+              <a:rPr lang="en-IN" sz="1600" b="1" dirty="0">
+                <a:solidFill>
+                  <a:schemeClr val="tx1"/>
+                </a:solidFill>
+                <a:latin typeface="+mj-lt"/>
+              </a:rPr>
+              <a:t>Planning - Tasks &amp; Task Allocation</a:t>
+            </a:r>
           </a:p>
           <a:p>
             <a:pPr algn="just" defTabSz="666750">
@@ -8226,7 +8994,7 @@
                 <a:spcPts val="300"/>
               </a:spcAft>
             </a:pPr>
-            <a:endParaRPr lang="en-IN" sz="1600" b="1" dirty="0" smtClean="0">
+            <a:endParaRPr lang="en-IN" sz="1600" b="1" dirty="0">
               <a:solidFill>
                 <a:schemeClr val="tx1"/>
               </a:solidFill>
@@ -8268,7 +9036,7 @@
                 <a:spcPts val="300"/>
               </a:spcAft>
             </a:pPr>
-            <a:endParaRPr lang="en-IN" sz="1600" b="1" dirty="0" smtClean="0">
+            <a:endParaRPr lang="en-IN" sz="1600" b="1" dirty="0">
               <a:solidFill>
                 <a:schemeClr val="tx1"/>
               </a:solidFill>
@@ -8289,20 +9057,13 @@
                 <a:spcPts val="300"/>
               </a:spcAft>
             </a:pPr>
-            <a:r>
-              <a:rPr lang="en-IN" sz="1600" b="1" dirty="0" smtClean="0">
-                <a:solidFill>
-                  <a:schemeClr val="tx1"/>
-                </a:solidFill>
-                <a:latin typeface="+mj-lt"/>
-              </a:rPr>
-              <a:t>Project Controls Adopted/</a:t>
-            </a:r>
-            <a:endParaRPr lang="en-IN" sz="1600" b="1" dirty="0" smtClean="0">
+            <a:endParaRPr lang="en-IN" sz="1600" b="1" dirty="0">
               <a:solidFill>
                 <a:schemeClr val="tx1"/>
               </a:solidFill>
               <a:latin typeface="+mj-lt"/>
+              <a:ea typeface="Times New Roman" panose="02020603050405020304"/>
+              <a:cs typeface="Open Sans"/>
             </a:endParaRPr>
           </a:p>
           <a:p>
@@ -8317,14 +9078,63 @@
                 <a:spcPts val="300"/>
               </a:spcAft>
             </a:pPr>
-            <a:endParaRPr lang="en-IN" sz="1600" b="1" dirty="0">
-              <a:solidFill>
-                <a:schemeClr val="tx1"/>
-              </a:solidFill>
-              <a:latin typeface="+mj-lt"/>
-              <a:ea typeface="Times New Roman" panose="02020603050405020304"/>
-              <a:cs typeface="Open Sans"/>
-            </a:endParaRPr>
+            <a:r>
+              <a:rPr lang="en-IN" sz="1600" b="1" dirty="0">
+                <a:solidFill>
+                  <a:schemeClr val="tx1"/>
+                </a:solidFill>
+                <a:latin typeface="+mj-lt"/>
+              </a:rPr>
+              <a:t>Project Controls Adopted</a:t>
+            </a:r>
+          </a:p>
+          <a:p>
+            <a:pPr marL="285750" indent="-285750" algn="just" defTabSz="666750">
+              <a:lnSpc>
+                <a:spcPct val="114000"/>
+              </a:lnSpc>
+              <a:spcBef>
+                <a:spcPct val="0"/>
+              </a:spcBef>
+              <a:spcAft>
+                <a:spcPts val="300"/>
+              </a:spcAft>
+              <a:buFont typeface="Arial" panose="020B0604020202020204" pitchFamily="34" charset="0"/>
+              <a:buChar char="•"/>
+            </a:pPr>
+            <a:r>
+              <a:rPr lang="en-IN" sz="1600" b="1" dirty="0">
+                <a:solidFill>
+                  <a:schemeClr val="tx1"/>
+                </a:solidFill>
+                <a:latin typeface="+mj-lt"/>
+              </a:rPr>
+              <a:t>Unit testing</a:t>
+            </a:r>
+          </a:p>
+          <a:p>
+            <a:pPr marL="285750" indent="-285750" algn="just" defTabSz="666750">
+              <a:lnSpc>
+                <a:spcPct val="114000"/>
+              </a:lnSpc>
+              <a:spcBef>
+                <a:spcPct val="0"/>
+              </a:spcBef>
+              <a:spcAft>
+                <a:spcPts val="300"/>
+              </a:spcAft>
+              <a:buFont typeface="Arial" panose="020B0604020202020204" pitchFamily="34" charset="0"/>
+              <a:buChar char="•"/>
+            </a:pPr>
+            <a:r>
+              <a:rPr lang="en-IN" sz="1600" b="1" dirty="0">
+                <a:solidFill>
+                  <a:schemeClr val="tx1"/>
+                </a:solidFill>
+                <a:latin typeface="+mj-lt"/>
+              </a:rPr>
+              <a:t>Logging</a:t>
+            </a:r>
           </a:p>
           <a:p>
             <a:pPr algn="just" defTabSz="666750">
@@ -8338,7 +9148,7 @@
                 <a:spcPts val="300"/>
               </a:spcAft>
             </a:pPr>
-            <a:endParaRPr lang="en-IN" sz="1600" b="1" dirty="0" smtClean="0">
+            <a:endParaRPr lang="en-IN" sz="1600" b="1" dirty="0">
               <a:solidFill>
                 <a:schemeClr val="tx1"/>
               </a:solidFill>
@@ -8380,7 +9190,7 @@
                 <a:spcPts val="300"/>
               </a:spcAft>
             </a:pPr>
-            <a:endParaRPr lang="en-IN" sz="1600" b="1" dirty="0" smtClean="0">
+            <a:endParaRPr lang="en-IN" sz="1600" b="1" dirty="0">
               <a:solidFill>
                 <a:schemeClr val="tx1"/>
               </a:solidFill>
@@ -8401,7 +9211,28 @@
                 <a:spcPts val="300"/>
               </a:spcAft>
             </a:pPr>
-            <a:endParaRPr lang="en-IN" sz="1600" b="1" dirty="0" smtClean="0">
+            <a:endParaRPr lang="en-IN" sz="1600" b="1" dirty="0">
+              <a:solidFill>
+                <a:schemeClr val="tx1"/>
+              </a:solidFill>
+              <a:latin typeface="+mj-lt"/>
+              <a:ea typeface="Times New Roman" panose="02020603050405020304"/>
+              <a:cs typeface="Open Sans"/>
+            </a:endParaRPr>
+          </a:p>
+          <a:p>
+            <a:pPr algn="just" defTabSz="666750">
+              <a:lnSpc>
+                <a:spcPct val="114000"/>
+              </a:lnSpc>
+              <a:spcBef>
+                <a:spcPct val="0"/>
+              </a:spcBef>
+              <a:spcAft>
+                <a:spcPts val="300"/>
+              </a:spcAft>
+            </a:pPr>
+            <a:endParaRPr lang="en-IN" sz="1600" b="1" dirty="0">
               <a:solidFill>
                 <a:schemeClr val="tx1"/>
               </a:solidFill>
@@ -8441,18 +9272,13 @@
           <a:p>
             <a:pPr defTabSz="914400"/>
             <a:r>
-              <a:rPr lang="en-IN" sz="1800" b="1" kern="0" dirty="0" smtClean="0">
+              <a:rPr lang="en-IN" sz="1800" b="1" kern="0" dirty="0">
                 <a:solidFill>
                   <a:sysClr val="windowText" lastClr="000000"/>
                 </a:solidFill>
               </a:rPr>
               <a:t>Project Planning, Management &amp; Control</a:t>
             </a:r>
-            <a:endParaRPr lang="en-IN" sz="1800" b="1" kern="0" dirty="0">
-              <a:solidFill>
-                <a:sysClr val="windowText" lastClr="000000"/>
-              </a:solidFill>
-            </a:endParaRPr>
           </a:p>
         </p:txBody>
       </p:sp>
@@ -8510,18 +9336,13 @@
           <a:p>
             <a:pPr defTabSz="914400"/>
             <a:r>
-              <a:rPr lang="en-IN" sz="1800" b="1" kern="0" dirty="0" smtClean="0">
+              <a:rPr lang="en-IN" sz="1800" b="1" kern="0" dirty="0">
                 <a:solidFill>
                   <a:sysClr val="windowText" lastClr="000000"/>
                 </a:solidFill>
               </a:rPr>
               <a:t>Project – Demonstration </a:t>
             </a:r>
-            <a:endParaRPr lang="en-IN" sz="1800" b="1" kern="0" dirty="0">
-              <a:solidFill>
-                <a:sysClr val="windowText" lastClr="000000"/>
-              </a:solidFill>
-            </a:endParaRPr>
           </a:p>
         </p:txBody>
       </p:sp>
@@ -8602,7 +9423,7 @@
               </a:spcAft>
             </a:pPr>
             <a:r>
-              <a:rPr lang="en-IN" sz="1600" b="1" dirty="0" smtClean="0">
+              <a:rPr lang="en-IN" sz="1600" b="1" dirty="0">
                 <a:solidFill>
                   <a:schemeClr val="tx1"/>
                 </a:solidFill>
@@ -8610,12 +9431,6 @@
               </a:rPr>
               <a:t>Project Review (Planned vs Actual)</a:t>
             </a:r>
-            <a:endParaRPr lang="en-IN" sz="1600" b="1" dirty="0" smtClean="0">
-              <a:solidFill>
-                <a:schemeClr val="tx1"/>
-              </a:solidFill>
-              <a:latin typeface="+mj-lt"/>
-            </a:endParaRPr>
           </a:p>
           <a:p>
             <a:pPr algn="just" defTabSz="666750">
@@ -8650,7 +9465,7 @@
                 <a:spcPts val="300"/>
               </a:spcAft>
             </a:pPr>
-            <a:endParaRPr lang="en-IN" sz="1600" b="1" dirty="0" smtClean="0">
+            <a:endParaRPr lang="en-IN" sz="1600" b="1" dirty="0">
               <a:solidFill>
                 <a:schemeClr val="tx1"/>
               </a:solidFill>
@@ -8692,7 +9507,7 @@
                 <a:spcPts val="300"/>
               </a:spcAft>
             </a:pPr>
-            <a:endParaRPr lang="en-IN" sz="1600" b="1" dirty="0" smtClean="0">
+            <a:endParaRPr lang="en-IN" sz="1600" b="1" dirty="0">
               <a:solidFill>
                 <a:schemeClr val="tx1"/>
               </a:solidFill>
@@ -8714,7 +9529,7 @@
               </a:spcAft>
             </a:pPr>
             <a:r>
-              <a:rPr lang="en-IN" sz="1600" b="1" dirty="0" smtClean="0">
+              <a:rPr lang="en-IN" sz="1600" b="1" dirty="0">
                 <a:solidFill>
                   <a:schemeClr val="tx1"/>
                 </a:solidFill>
@@ -8722,11 +9537,59 @@
               </a:rPr>
               <a:t>Lessons/ Key takeaways</a:t>
             </a:r>
-            <a:endParaRPr lang="en-IN" sz="1600" b="1" dirty="0" smtClean="0">
+          </a:p>
+          <a:p>
+            <a:pPr marL="285750" indent="-285750" algn="just" defTabSz="666750">
+              <a:lnSpc>
+                <a:spcPct val="114000"/>
+              </a:lnSpc>
+              <a:spcBef>
+                <a:spcPct val="0"/>
+              </a:spcBef>
+              <a:spcAft>
+                <a:spcPts val="300"/>
+              </a:spcAft>
+              <a:buFont typeface="Arial" pitchFamily="34" charset="0"/>
+              <a:buChar char="•"/>
+            </a:pPr>
+            <a:r>
+              <a:rPr lang="en-GB" sz="1600" dirty="0">
+                <a:solidFill>
+                  <a:schemeClr val="tx1"/>
+                </a:solidFill>
+              </a:rPr>
+              <a:t>Agile Development Approach: Adopting an agile development methodology allows for iterative development, and continuous improvement. This facilitates flexibility, adaptability.</a:t>
+            </a:r>
+          </a:p>
+          <a:p>
+            <a:pPr marL="285750" indent="-285750" algn="just" defTabSz="666750">
+              <a:lnSpc>
+                <a:spcPct val="114000"/>
+              </a:lnSpc>
+              <a:spcBef>
+                <a:spcPct val="0"/>
+              </a:spcBef>
+              <a:spcAft>
+                <a:spcPts val="300"/>
+              </a:spcAft>
+              <a:buFont typeface="Arial" pitchFamily="34" charset="0"/>
+              <a:buChar char="•"/>
+            </a:pPr>
+            <a:r>
+              <a:rPr lang="en-GB" sz="1600" dirty="0">
+                <a:solidFill>
+                  <a:schemeClr val="tx1"/>
+                </a:solidFill>
+              </a:rPr>
+              <a:t>Automation and Administrative Efficiency: Automating administrative tasks such as appointment approval, rescheduling, and test result uploads reduced manual work and freed up staff time. This led to improved administrative efficiency within the hospital.</a:t>
+            </a:r>
+            <a:endParaRPr lang="en-IN" sz="1600" b="1" dirty="0">
               <a:solidFill>
                 <a:schemeClr val="tx1"/>
               </a:solidFill>
               <a:latin typeface="+mj-lt"/>
+              <a:ea typeface="Times New Roman" panose="02020603050405020304"/>
+              <a:cs typeface="Open Sans"/>
             </a:endParaRPr>
           </a:p>
           <a:p>
@@ -8762,7 +9625,7 @@
                 <a:spcPts val="300"/>
               </a:spcAft>
             </a:pPr>
-            <a:endParaRPr lang="en-IN" sz="1600" b="1" dirty="0" smtClean="0">
+            <a:endParaRPr lang="en-IN" sz="1600" b="1" dirty="0">
               <a:solidFill>
                 <a:schemeClr val="tx1"/>
               </a:solidFill>
@@ -8804,28 +9667,7 @@
                 <a:spcPts val="300"/>
               </a:spcAft>
             </a:pPr>
-            <a:endParaRPr lang="en-IN" sz="1600" b="1" dirty="0" smtClean="0">
-              <a:solidFill>
-                <a:schemeClr val="tx1"/>
-              </a:solidFill>
-              <a:latin typeface="+mj-lt"/>
-              <a:ea typeface="Times New Roman" panose="02020603050405020304"/>
-              <a:cs typeface="Open Sans"/>
-            </a:endParaRPr>
-          </a:p>
-          <a:p>
-            <a:pPr algn="just" defTabSz="666750">
-              <a:lnSpc>
-                <a:spcPct val="114000"/>
-              </a:lnSpc>
-              <a:spcBef>
-                <a:spcPct val="0"/>
-              </a:spcBef>
-              <a:spcAft>
-                <a:spcPts val="300"/>
-              </a:spcAft>
-            </a:pPr>
-            <a:endParaRPr lang="en-IN" sz="1600" b="1" dirty="0" smtClean="0">
+            <a:endParaRPr lang="en-IN" sz="1600" b="1" dirty="0">
               <a:solidFill>
                 <a:schemeClr val="tx1"/>
               </a:solidFill>
@@ -8865,18 +9707,13 @@
           <a:p>
             <a:pPr defTabSz="914400"/>
             <a:r>
-              <a:rPr lang="en-IN" sz="1800" b="1" kern="0" dirty="0" smtClean="0">
+              <a:rPr lang="en-IN" sz="1800" b="1" kern="0" dirty="0">
                 <a:solidFill>
                   <a:sysClr val="windowText" lastClr="000000"/>
                 </a:solidFill>
               </a:rPr>
               <a:t>Project – Closure</a:t>
             </a:r>
-            <a:endParaRPr lang="en-IN" sz="1800" b="1" kern="0" dirty="0">
-              <a:solidFill>
-                <a:sysClr val="windowText" lastClr="000000"/>
-              </a:solidFill>
-            </a:endParaRPr>
           </a:p>
         </p:txBody>
       </p:sp>
@@ -9166,6 +10003,8 @@
       </a:bgFillStyleLst>
     </a:fmtScheme>
   </a:themeElements>
+  <a:objectDefaults/>
+  <a:extraClrSchemeLst/>
   <a:extLst>
     <a:ext uri="{05A4C25C-085E-4340-85A3-A5531E510DB2}">
       <thm15:themeFamily xmlns:thm15="http://schemas.microsoft.com/office/thememl/2012/main" name="Office Theme" id="{62F939B6-93AF-4DB8-9C6B-D6C7DFDC589F}" vid="{4A3C46E8-61CC-4603-A589-7422A47A8E4A}"/>
@@ -9425,6 +10264,8 @@
       </a:bgFillStyleLst>
     </a:fmtScheme>
   </a:themeElements>
+  <a:objectDefaults/>
+  <a:extraClrSchemeLst/>
   <a:extLst>
     <a:ext uri="{05A4C25C-085E-4340-85A3-A5531E510DB2}">
       <thm15:themeFamily xmlns:thm15="http://schemas.microsoft.com/office/thememl/2012/main" name="Office Theme" id="{62F939B6-93AF-4DB8-9C6B-D6C7DFDC589F}" vid="{4A3C46E8-61CC-4603-A589-7422A47A8E4A}"/>
